--- a/kpi/Test Automation.pptx
+++ b/kpi/Test Automation.pptx
@@ -178,7 +178,7 @@
   </p:defaultTextStyle>
   <p:extLst>
     <p:ext uri="{EFAFB233-063F-42B5-8137-9DF3F51BA10A}">
-      <p15:sldGuideLst xmlns="" xmlns:p15="http://schemas.microsoft.com/office/powerpoint/2012/main">
+      <p15:sldGuideLst xmlns:p15="http://schemas.microsoft.com/office/powerpoint/2012/main" xmlns="">
         <p15:guide id="1" orient="horz" pos="1620">
           <p15:clr>
             <a:srgbClr val="A4A3A4"/>
@@ -192,7 +192,7 @@
       </p15:sldGuideLst>
     </p:ext>
     <p:ext uri="{2D200454-40CA-4A62-9FC3-DE9A4176ACB9}">
-      <p15:notesGuideLst xmlns="" xmlns:p15="http://schemas.microsoft.com/office/powerpoint/2012/main">
+      <p15:notesGuideLst xmlns:p15="http://schemas.microsoft.com/office/powerpoint/2012/main" xmlns="">
         <p15:guide id="1" orient="horz" pos="3223">
           <p15:clr>
             <a:srgbClr val="A4A3A4"/>
@@ -10691,7 +10691,7 @@
           <a:graphicData uri="http://schemas.openxmlformats.org/presentationml/2006/ole">
             <mc:AlternateContent xmlns:mc="http://schemas.openxmlformats.org/markup-compatibility/2006">
               <mc:Choice xmlns:v="urn:schemas-microsoft-com:vml" Requires="v">
-                <p:oleObj spid="_x0000_s5207" name="封裝程式殼層物件" showAsIcon="1" r:id="rId4" imgW="744480" imgH="394920" progId="Package">
+                <p:oleObj spid="_x0000_s5209" name="封裝程式殼層物件" showAsIcon="1" r:id="rId4" imgW="744480" imgH="394920" progId="Package">
                   <p:embed/>
                 </p:oleObj>
               </mc:Choice>
@@ -12749,7 +12749,7 @@
           <a:graphicData uri="http://schemas.openxmlformats.org/presentationml/2006/ole">
             <mc:AlternateContent xmlns:mc="http://schemas.openxmlformats.org/markup-compatibility/2006">
               <mc:Choice xmlns:v="urn:schemas-microsoft-com:vml" Requires="v">
-                <p:oleObj spid="_x0000_s6174" name="封裝程式殼層物件" showAsIcon="1" r:id="rId6" imgW="744480" imgH="394920" progId="Package">
+                <p:oleObj spid="_x0000_s6176" name="封裝程式殼層物件" showAsIcon="1" r:id="rId6" imgW="744480" imgH="394920" progId="Package">
                   <p:embed/>
                 </p:oleObj>
               </mc:Choice>
@@ -13170,14 +13170,7 @@
                 <a:latin typeface="Times New Roman" panose="02020603050405020304" pitchFamily="18" charset="0"/>
                 <a:cs typeface="Times New Roman" panose="02020603050405020304" pitchFamily="18" charset="0"/>
               </a:rPr>
-              <a:t>(OTG) or Android 8.0.1 (OTG) for </a:t>
-            </a:r>
-            <a:r>
-              <a:rPr lang="en-US" altLang="zh-TW" sz="1800" dirty="0" smtClean="0">
-                <a:latin typeface="Times New Roman" panose="02020603050405020304" pitchFamily="18" charset="0"/>
-                <a:cs typeface="Times New Roman" panose="02020603050405020304" pitchFamily="18" charset="0"/>
-              </a:rPr>
-              <a:t>WLAN and WWAN</a:t>
+              <a:t>(OTG) or Android 8.0.1 (OTG) for WLAN and WWAN</a:t>
             </a:r>
             <a:endParaRPr lang="en-US" altLang="zh-TW" sz="1800" dirty="0">
               <a:latin typeface="Times New Roman" panose="02020603050405020304" pitchFamily="18" charset="0"/>
@@ -14234,7 +14227,7 @@
           <a:graphicData uri="http://schemas.openxmlformats.org/presentationml/2006/ole">
             <mc:AlternateContent xmlns:mc="http://schemas.openxmlformats.org/markup-compatibility/2006">
               <mc:Choice xmlns:v="urn:schemas-microsoft-com:vml" Requires="v">
-                <p:oleObj spid="_x0000_s7194" name="封裝程式殼層物件" showAsIcon="1" r:id="rId4" imgW="744480" imgH="394920" progId="Package">
+                <p:oleObj spid="_x0000_s7196" name="封裝程式殼層物件" showAsIcon="1" r:id="rId4" imgW="744480" imgH="394920" progId="Package">
                   <p:embed/>
                 </p:oleObj>
               </mc:Choice>
@@ -15821,7 +15814,7 @@
           <a:graphicData uri="http://schemas.openxmlformats.org/presentationml/2006/ole">
             <mc:AlternateContent xmlns:mc="http://schemas.openxmlformats.org/markup-compatibility/2006">
               <mc:Choice xmlns:v="urn:schemas-microsoft-com:vml" Requires="v">
-                <p:oleObj spid="_x0000_s8206" name="封裝程式殼層物件" showAsIcon="1" r:id="rId6" imgW="744480" imgH="394920" progId="Package">
+                <p:oleObj spid="_x0000_s8208" name="封裝程式殼層物件" showAsIcon="1" r:id="rId6" imgW="744480" imgH="394920" progId="Package">
                   <p:embed/>
                 </p:oleObj>
               </mc:Choice>
@@ -17587,7 +17580,7 @@
           <a:graphicData uri="http://schemas.openxmlformats.org/presentationml/2006/ole">
             <mc:AlternateContent xmlns:mc="http://schemas.openxmlformats.org/markup-compatibility/2006">
               <mc:Choice xmlns:v="urn:schemas-microsoft-com:vml" Requires="v">
-                <p:oleObj spid="_x0000_s3239" name="封裝程式殼層物件" showAsIcon="1" r:id="rId4" imgW="671760" imgH="394920" progId="Package">
+                <p:oleObj spid="_x0000_s3241" name="封裝程式殼層物件" showAsIcon="1" r:id="rId4" imgW="671760" imgH="394920" progId="Package">
                   <p:embed/>
                 </p:oleObj>
               </mc:Choice>
@@ -21780,7 +21773,7 @@
           <a:graphicData uri="http://schemas.openxmlformats.org/presentationml/2006/ole">
             <mc:AlternateContent xmlns:mc="http://schemas.openxmlformats.org/markup-compatibility/2006">
               <mc:Choice xmlns:v="urn:schemas-microsoft-com:vml" Requires="v">
-                <p:oleObj spid="_x0000_s4262" name="封裝程式殼層物件" showAsIcon="1" r:id="rId5" imgW="1467360" imgH="394920" progId="Package">
+                <p:oleObj spid="_x0000_s4266" name="封裝程式殼層物件" showAsIcon="1" r:id="rId5" imgW="1467360" imgH="394920" progId="Package">
                   <p:embed/>
                 </p:oleObj>
               </mc:Choice>
@@ -21837,7 +21830,7 @@
           <a:graphicData uri="http://schemas.openxmlformats.org/presentationml/2006/ole">
             <mc:AlternateContent xmlns:mc="http://schemas.openxmlformats.org/markup-compatibility/2006">
               <mc:Choice xmlns:v="urn:schemas-microsoft-com:vml" Requires="v">
-                <p:oleObj spid="_x0000_s4263" name="封裝程式殼層物件" showAsIcon="1" r:id="rId7" imgW="1438200" imgH="394920" progId="Package">
+                <p:oleObj spid="_x0000_s4267" name="封裝程式殼層物件" showAsIcon="1" r:id="rId7" imgW="1438200" imgH="394920" progId="Package">
                   <p:embed/>
                 </p:oleObj>
               </mc:Choice>
@@ -25145,11 +25138,7 @@
             </a:pPr>
             <a:r>
               <a:rPr lang="en-US" altLang="zh-TW" sz="1800" dirty="0" smtClean="0"/>
-              <a:t>Standard Operation Procedure </a:t>
-            </a:r>
-            <a:r>
-              <a:rPr lang="en-US" altLang="zh-TW" sz="1800" dirty="0" smtClean="0"/>
-              <a:t>:</a:t>
+              <a:t>Standard Operation Procedure :</a:t>
             </a:r>
           </a:p>
           <a:p>
@@ -27264,21 +27253,21 @@
               <a:defRPr/>
             </a:pPr>
             <a:r>
-              <a:rPr lang="en-US" altLang="zh-TW" sz="1600" dirty="0">
+              <a:rPr lang="en-US" altLang="zh-TW" sz="1500" dirty="0">
                 <a:latin typeface="Times New Roman" panose="02020603050405020304" pitchFamily="18" charset="0"/>
                 <a:cs typeface="Times New Roman" panose="02020603050405020304" pitchFamily="18" charset="0"/>
               </a:rPr>
               <a:t>Manual Testing of all work flows, all fields, all negative scenarios </a:t>
             </a:r>
             <a:r>
-              <a:rPr lang="en-US" altLang="zh-TW" sz="1600" dirty="0" smtClean="0">
+              <a:rPr lang="en-US" altLang="zh-TW" sz="1500" dirty="0" smtClean="0">
                 <a:latin typeface="Times New Roman" panose="02020603050405020304" pitchFamily="18" charset="0"/>
                 <a:cs typeface="Times New Roman" panose="02020603050405020304" pitchFamily="18" charset="0"/>
               </a:rPr>
               <a:t>is </a:t>
             </a:r>
             <a:r>
-              <a:rPr lang="en-US" altLang="zh-TW" sz="1600" dirty="0">
+              <a:rPr lang="en-US" altLang="zh-TW" sz="1500" dirty="0">
                 <a:solidFill>
                   <a:srgbClr val="0033CC"/>
                 </a:solidFill>
@@ -27288,7 +27277,7 @@
               <a:t>time and cost consuming</a:t>
             </a:r>
             <a:r>
-              <a:rPr lang="en-US" altLang="zh-TW" sz="1600" dirty="0">
+              <a:rPr lang="en-US" altLang="zh-TW" sz="1500" dirty="0">
                 <a:latin typeface="Times New Roman" panose="02020603050405020304" pitchFamily="18" charset="0"/>
                 <a:cs typeface="Times New Roman" panose="02020603050405020304" pitchFamily="18" charset="0"/>
               </a:rPr>
@@ -27302,14 +27291,14 @@
               <a:defRPr/>
             </a:pPr>
             <a:r>
-              <a:rPr lang="en-US" altLang="zh-TW" sz="1600" dirty="0">
+              <a:rPr lang="en-US" altLang="zh-TW" sz="1500" dirty="0">
                 <a:latin typeface="Times New Roman" panose="02020603050405020304" pitchFamily="18" charset="0"/>
                 <a:cs typeface="Times New Roman" panose="02020603050405020304" pitchFamily="18" charset="0"/>
               </a:rPr>
               <a:t>It is difficult to </a:t>
             </a:r>
             <a:r>
-              <a:rPr lang="en-US" altLang="zh-TW" sz="1600" dirty="0">
+              <a:rPr lang="en-US" altLang="zh-TW" sz="1500" dirty="0">
                 <a:solidFill>
                   <a:srgbClr val="0033CC"/>
                 </a:solidFill>
@@ -27319,7 +27308,7 @@
               <a:t>test for multilingual sites manually</a:t>
             </a:r>
             <a:r>
-              <a:rPr lang="en-US" altLang="zh-TW" sz="1600" dirty="0">
+              <a:rPr lang="en-US" altLang="zh-TW" sz="1500" dirty="0">
                 <a:latin typeface="Times New Roman" panose="02020603050405020304" pitchFamily="18" charset="0"/>
                 <a:cs typeface="Times New Roman" panose="02020603050405020304" pitchFamily="18" charset="0"/>
               </a:rPr>
@@ -27333,7 +27322,7 @@
               <a:defRPr/>
             </a:pPr>
             <a:r>
-              <a:rPr lang="en-US" altLang="zh-TW" sz="1600" dirty="0">
+              <a:rPr lang="en-US" altLang="zh-TW" sz="1500" dirty="0">
                 <a:latin typeface="Times New Roman" panose="02020603050405020304" pitchFamily="18" charset="0"/>
                 <a:cs typeface="Times New Roman" panose="02020603050405020304" pitchFamily="18" charset="0"/>
               </a:rPr>
@@ -27347,14 +27336,14 @@
               <a:defRPr/>
             </a:pPr>
             <a:r>
-              <a:rPr kumimoji="0" lang="en-US" altLang="zh-TW" sz="1600" dirty="0" smtClean="0">
+              <a:rPr kumimoji="0" lang="en-US" altLang="zh-TW" sz="1500" dirty="0" smtClean="0">
                 <a:latin typeface="Times New Roman" panose="02020603050405020304" pitchFamily="18" charset="0"/>
                 <a:cs typeface="Times New Roman" panose="02020603050405020304" pitchFamily="18" charset="0"/>
               </a:rPr>
               <a:t>You can run </a:t>
             </a:r>
             <a:r>
-              <a:rPr kumimoji="0" lang="en-US" altLang="zh-TW" sz="1600" dirty="0" smtClean="0">
+              <a:rPr kumimoji="0" lang="en-US" altLang="zh-TW" sz="1500" dirty="0" smtClean="0">
                 <a:solidFill>
                   <a:srgbClr val="0033CC"/>
                 </a:solidFill>
@@ -27364,7 +27353,7 @@
               <a:t>automated test unattended (overnight)</a:t>
             </a:r>
             <a:r>
-              <a:rPr kumimoji="0" lang="en-US" altLang="zh-TW" sz="1600" dirty="0" smtClean="0">
+              <a:rPr kumimoji="0" lang="en-US" altLang="zh-TW" sz="1500" dirty="0" smtClean="0">
                 <a:latin typeface="Times New Roman" panose="02020603050405020304" pitchFamily="18" charset="0"/>
                 <a:cs typeface="Times New Roman" panose="02020603050405020304" pitchFamily="18" charset="0"/>
               </a:rPr>
@@ -27378,14 +27367,14 @@
               <a:defRPr/>
             </a:pPr>
             <a:r>
-              <a:rPr lang="en-US" altLang="zh-TW" sz="1600" dirty="0">
+              <a:rPr lang="en-US" altLang="zh-TW" sz="1500" dirty="0">
                 <a:latin typeface="Times New Roman" panose="02020603050405020304" pitchFamily="18" charset="0"/>
                 <a:cs typeface="Times New Roman" panose="02020603050405020304" pitchFamily="18" charset="0"/>
               </a:rPr>
               <a:t>Automation increases </a:t>
             </a:r>
             <a:r>
-              <a:rPr lang="en-US" altLang="zh-TW" sz="1600" dirty="0">
+              <a:rPr lang="en-US" altLang="zh-TW" sz="1500" dirty="0">
                 <a:solidFill>
                   <a:srgbClr val="0033CC"/>
                 </a:solidFill>
@@ -27395,7 +27384,7 @@
               <a:t>speed of test execution &amp; test coverage</a:t>
             </a:r>
             <a:r>
-              <a:rPr lang="en-US" altLang="zh-TW" sz="1600" dirty="0">
+              <a:rPr lang="en-US" altLang="zh-TW" sz="1500" dirty="0">
                 <a:latin typeface="Times New Roman" panose="02020603050405020304" pitchFamily="18" charset="0"/>
                 <a:cs typeface="Times New Roman" panose="02020603050405020304" pitchFamily="18" charset="0"/>
               </a:rPr>
@@ -27409,14 +27398,14 @@
               <a:defRPr/>
             </a:pPr>
             <a:r>
-              <a:rPr lang="en-US" altLang="zh-TW" sz="1600" dirty="0">
+              <a:rPr lang="en-US" altLang="zh-TW" sz="1500" dirty="0">
                 <a:latin typeface="Times New Roman" panose="02020603050405020304" pitchFamily="18" charset="0"/>
                 <a:cs typeface="Times New Roman" panose="02020603050405020304" pitchFamily="18" charset="0"/>
               </a:rPr>
               <a:t>Manual testing can become boring and hence </a:t>
             </a:r>
             <a:r>
-              <a:rPr lang="en-US" altLang="zh-TW" sz="1600" dirty="0">
+              <a:rPr lang="en-US" altLang="zh-TW" sz="1500" dirty="0">
                 <a:solidFill>
                   <a:srgbClr val="0033CC"/>
                 </a:solidFill>
@@ -27426,7 +27415,7 @@
               <a:t>error prone</a:t>
             </a:r>
             <a:r>
-              <a:rPr lang="en-US" altLang="zh-TW" sz="1600" dirty="0">
+              <a:rPr lang="en-US" altLang="zh-TW" sz="1500" dirty="0">
                 <a:latin typeface="Times New Roman" panose="02020603050405020304" pitchFamily="18" charset="0"/>
                 <a:cs typeface="Times New Roman" panose="02020603050405020304" pitchFamily="18" charset="0"/>
               </a:rPr>
@@ -29158,14 +29147,7 @@
                 <a:latin typeface="Times New Roman" panose="02020603050405020304" pitchFamily="18" charset="0"/>
                 <a:cs typeface="Times New Roman" panose="02020603050405020304" pitchFamily="18" charset="0"/>
               </a:rPr>
-              <a:t>Windows </a:t>
-            </a:r>
-            <a:r>
-              <a:rPr lang="en-US" altLang="zh-TW" sz="1600" dirty="0" smtClean="0">
-                <a:latin typeface="Times New Roman" panose="02020603050405020304" pitchFamily="18" charset="0"/>
-                <a:cs typeface="Times New Roman" panose="02020603050405020304" pitchFamily="18" charset="0"/>
-              </a:rPr>
-              <a:t>for WLAN</a:t>
+              <a:t>Windows for WLAN</a:t>
             </a:r>
           </a:p>
           <a:p>

--- a/kpi/Test Automation.pptx
+++ b/kpi/Test Automation.pptx
@@ -178,7 +178,7 @@
   </p:defaultTextStyle>
   <p:extLst>
     <p:ext uri="{EFAFB233-063F-42B5-8137-9DF3F51BA10A}">
-      <p15:sldGuideLst xmlns:p15="http://schemas.microsoft.com/office/powerpoint/2012/main" xmlns="">
+      <p15:sldGuideLst xmlns="" xmlns:p15="http://schemas.microsoft.com/office/powerpoint/2012/main">
         <p15:guide id="1" orient="horz" pos="1620">
           <p15:clr>
             <a:srgbClr val="A4A3A4"/>
@@ -192,7 +192,7 @@
       </p15:sldGuideLst>
     </p:ext>
     <p:ext uri="{2D200454-40CA-4A62-9FC3-DE9A4176ACB9}">
-      <p15:notesGuideLst xmlns:p15="http://schemas.microsoft.com/office/powerpoint/2012/main" xmlns="">
+      <p15:notesGuideLst xmlns="" xmlns:p15="http://schemas.microsoft.com/office/powerpoint/2012/main">
         <p15:guide id="1" orient="horz" pos="3223">
           <p15:clr>
             <a:srgbClr val="A4A3A4"/>
@@ -10691,7 +10691,7 @@
           <a:graphicData uri="http://schemas.openxmlformats.org/presentationml/2006/ole">
             <mc:AlternateContent xmlns:mc="http://schemas.openxmlformats.org/markup-compatibility/2006">
               <mc:Choice xmlns:v="urn:schemas-microsoft-com:vml" Requires="v">
-                <p:oleObj spid="_x0000_s5209" name="封裝程式殼層物件" showAsIcon="1" r:id="rId4" imgW="744480" imgH="394920" progId="Package">
+                <p:oleObj spid="_x0000_s5211" name="封裝程式殼層物件" showAsIcon="1" r:id="rId4" imgW="744480" imgH="394920" progId="Package">
                   <p:embed/>
                 </p:oleObj>
               </mc:Choice>
@@ -12749,7 +12749,7 @@
           <a:graphicData uri="http://schemas.openxmlformats.org/presentationml/2006/ole">
             <mc:AlternateContent xmlns:mc="http://schemas.openxmlformats.org/markup-compatibility/2006">
               <mc:Choice xmlns:v="urn:schemas-microsoft-com:vml" Requires="v">
-                <p:oleObj spid="_x0000_s6176" name="封裝程式殼層物件" showAsIcon="1" r:id="rId6" imgW="744480" imgH="394920" progId="Package">
+                <p:oleObj spid="_x0000_s6178" name="封裝程式殼層物件" showAsIcon="1" r:id="rId6" imgW="744480" imgH="394920" progId="Package">
                   <p:embed/>
                 </p:oleObj>
               </mc:Choice>
@@ -14227,7 +14227,7 @@
           <a:graphicData uri="http://schemas.openxmlformats.org/presentationml/2006/ole">
             <mc:AlternateContent xmlns:mc="http://schemas.openxmlformats.org/markup-compatibility/2006">
               <mc:Choice xmlns:v="urn:schemas-microsoft-com:vml" Requires="v">
-                <p:oleObj spid="_x0000_s7196" name="封裝程式殼層物件" showAsIcon="1" r:id="rId4" imgW="744480" imgH="394920" progId="Package">
+                <p:oleObj spid="_x0000_s7198" name="封裝程式殼層物件" showAsIcon="1" r:id="rId4" imgW="744480" imgH="394920" progId="Package">
                   <p:embed/>
                 </p:oleObj>
               </mc:Choice>
@@ -15814,7 +15814,7 @@
           <a:graphicData uri="http://schemas.openxmlformats.org/presentationml/2006/ole">
             <mc:AlternateContent xmlns:mc="http://schemas.openxmlformats.org/markup-compatibility/2006">
               <mc:Choice xmlns:v="urn:schemas-microsoft-com:vml" Requires="v">
-                <p:oleObj spid="_x0000_s8208" name="封裝程式殼層物件" showAsIcon="1" r:id="rId6" imgW="744480" imgH="394920" progId="Package">
+                <p:oleObj spid="_x0000_s8210" name="封裝程式殼層物件" showAsIcon="1" r:id="rId6" imgW="744480" imgH="394920" progId="Package">
                   <p:embed/>
                 </p:oleObj>
               </mc:Choice>
@@ -15849,6 +15849,94 @@
           </a:graphicData>
         </a:graphic>
       </p:graphicFrame>
+      <p:sp>
+        <p:nvSpPr>
+          <p:cNvPr id="3" name="矩形 2"/>
+          <p:cNvSpPr/>
+          <p:nvPr/>
+        </p:nvSpPr>
+        <p:spPr>
+          <a:xfrm>
+            <a:off x="4243754" y="3653629"/>
+            <a:ext cx="117230" cy="87923"/>
+          </a:xfrm>
+          <a:prstGeom prst="rect">
+            <a:avLst/>
+          </a:prstGeom>
+          <a:noFill/>
+          <a:ln>
+            <a:solidFill>
+              <a:srgbClr val="FF0000"/>
+            </a:solidFill>
+          </a:ln>
+        </p:spPr>
+        <p:style>
+          <a:lnRef idx="2">
+            <a:schemeClr val="dk1"/>
+          </a:lnRef>
+          <a:fillRef idx="1">
+            <a:schemeClr val="lt1"/>
+          </a:fillRef>
+          <a:effectRef idx="0">
+            <a:schemeClr val="dk1"/>
+          </a:effectRef>
+          <a:fontRef idx="minor">
+            <a:schemeClr val="dk1"/>
+          </a:fontRef>
+        </p:style>
+        <p:txBody>
+          <a:bodyPr rtlCol="0" anchor="ctr"/>
+          <a:lstStyle/>
+          <a:p>
+            <a:pPr algn="ctr"/>
+            <a:endParaRPr lang="zh-TW" altLang="en-US"/>
+          </a:p>
+        </p:txBody>
+      </p:sp>
+      <p:sp>
+        <p:nvSpPr>
+          <p:cNvPr id="9" name="矩形 8"/>
+          <p:cNvSpPr/>
+          <p:nvPr/>
+        </p:nvSpPr>
+        <p:spPr>
+          <a:xfrm>
+            <a:off x="8006838" y="3653630"/>
+            <a:ext cx="117230" cy="87923"/>
+          </a:xfrm>
+          <a:prstGeom prst="rect">
+            <a:avLst/>
+          </a:prstGeom>
+          <a:noFill/>
+          <a:ln>
+            <a:solidFill>
+              <a:srgbClr val="FF0000"/>
+            </a:solidFill>
+          </a:ln>
+        </p:spPr>
+        <p:style>
+          <a:lnRef idx="2">
+            <a:schemeClr val="dk1"/>
+          </a:lnRef>
+          <a:fillRef idx="1">
+            <a:schemeClr val="lt1"/>
+          </a:fillRef>
+          <a:effectRef idx="0">
+            <a:schemeClr val="dk1"/>
+          </a:effectRef>
+          <a:fontRef idx="minor">
+            <a:schemeClr val="dk1"/>
+          </a:fontRef>
+        </p:style>
+        <p:txBody>
+          <a:bodyPr rtlCol="0" anchor="ctr"/>
+          <a:lstStyle/>
+          <a:p>
+            <a:pPr algn="ctr"/>
+            <a:endParaRPr lang="zh-TW" altLang="en-US"/>
+          </a:p>
+        </p:txBody>
+      </p:sp>
     </p:spTree>
     <p:extLst>
       <p:ext uri="{BB962C8B-B14F-4D97-AF65-F5344CB8AC3E}">
@@ -17580,7 +17668,7 @@
           <a:graphicData uri="http://schemas.openxmlformats.org/presentationml/2006/ole">
             <mc:AlternateContent xmlns:mc="http://schemas.openxmlformats.org/markup-compatibility/2006">
               <mc:Choice xmlns:v="urn:schemas-microsoft-com:vml" Requires="v">
-                <p:oleObj spid="_x0000_s3241" name="封裝程式殼層物件" showAsIcon="1" r:id="rId4" imgW="671760" imgH="394920" progId="Package">
+                <p:oleObj spid="_x0000_s3243" name="封裝程式殼層物件" showAsIcon="1" r:id="rId4" imgW="671760" imgH="394920" progId="Package">
                   <p:embed/>
                 </p:oleObj>
               </mc:Choice>
@@ -21773,7 +21861,7 @@
           <a:graphicData uri="http://schemas.openxmlformats.org/presentationml/2006/ole">
             <mc:AlternateContent xmlns:mc="http://schemas.openxmlformats.org/markup-compatibility/2006">
               <mc:Choice xmlns:v="urn:schemas-microsoft-com:vml" Requires="v">
-                <p:oleObj spid="_x0000_s4266" name="封裝程式殼層物件" showAsIcon="1" r:id="rId5" imgW="1467360" imgH="394920" progId="Package">
+                <p:oleObj spid="_x0000_s4270" name="封裝程式殼層物件" showAsIcon="1" r:id="rId5" imgW="1467360" imgH="394920" progId="Package">
                   <p:embed/>
                 </p:oleObj>
               </mc:Choice>
@@ -21830,7 +21918,7 @@
           <a:graphicData uri="http://schemas.openxmlformats.org/presentationml/2006/ole">
             <mc:AlternateContent xmlns:mc="http://schemas.openxmlformats.org/markup-compatibility/2006">
               <mc:Choice xmlns:v="urn:schemas-microsoft-com:vml" Requires="v">
-                <p:oleObj spid="_x0000_s4267" name="封裝程式殼層物件" showAsIcon="1" r:id="rId7" imgW="1438200" imgH="394920" progId="Package">
+                <p:oleObj spid="_x0000_s4271" name="封裝程式殼層物件" showAsIcon="1" r:id="rId7" imgW="1438200" imgH="394920" progId="Package">
                   <p:embed/>
                 </p:oleObj>
               </mc:Choice>

--- a/kpi/Test Automation.pptx
+++ b/kpi/Test Automation.pptx
@@ -178,7 +178,7 @@
   </p:defaultTextStyle>
   <p:extLst>
     <p:ext uri="{EFAFB233-063F-42B5-8137-9DF3F51BA10A}">
-      <p15:sldGuideLst xmlns="" xmlns:p15="http://schemas.microsoft.com/office/powerpoint/2012/main">
+      <p15:sldGuideLst xmlns:p15="http://schemas.microsoft.com/office/powerpoint/2012/main" xmlns="">
         <p15:guide id="1" orient="horz" pos="1620">
           <p15:clr>
             <a:srgbClr val="A4A3A4"/>
@@ -192,7 +192,7 @@
       </p15:sldGuideLst>
     </p:ext>
     <p:ext uri="{2D200454-40CA-4A62-9FC3-DE9A4176ACB9}">
-      <p15:notesGuideLst xmlns="" xmlns:p15="http://schemas.microsoft.com/office/powerpoint/2012/main">
+      <p15:notesGuideLst xmlns:p15="http://schemas.microsoft.com/office/powerpoint/2012/main" xmlns="">
         <p15:guide id="1" orient="horz" pos="3223">
           <p15:clr>
             <a:srgbClr val="A4A3A4"/>
@@ -9487,8 +9487,8 @@
           </a:p>
           <a:p>
             <a:pPr lvl="1" eaLnBrk="1" hangingPunct="1">
-              <a:buFont typeface="Arial" charset="0"/>
-              <a:buChar char="•"/>
+              <a:buFont typeface="Wingdings" panose="05000000000000000000" pitchFamily="2" charset="2"/>
+              <a:buChar char="Ø"/>
               <a:defRPr/>
             </a:pPr>
             <a:r>
@@ -9505,8 +9505,8 @@
           </a:p>
           <a:p>
             <a:pPr lvl="1" eaLnBrk="1" hangingPunct="1">
-              <a:buFont typeface="Arial" charset="0"/>
-              <a:buChar char="•"/>
+              <a:buFont typeface="Wingdings" panose="05000000000000000000" pitchFamily="2" charset="2"/>
+              <a:buChar char="Ø"/>
               <a:defRPr/>
             </a:pPr>
             <a:r>
@@ -9537,8 +9537,8 @@
           </a:p>
           <a:p>
             <a:pPr lvl="1" eaLnBrk="1" hangingPunct="1">
-              <a:buFont typeface="Arial" charset="0"/>
-              <a:buChar char="•"/>
+              <a:buFont typeface="Wingdings" panose="05000000000000000000" pitchFamily="2" charset="2"/>
+              <a:buChar char="Ø"/>
               <a:defRPr/>
             </a:pPr>
             <a:r>
@@ -9569,8 +9569,8 @@
           </a:p>
           <a:p>
             <a:pPr lvl="1" eaLnBrk="1" hangingPunct="1">
-              <a:buFont typeface="Arial" charset="0"/>
-              <a:buChar char="•"/>
+              <a:buFont typeface="Wingdings" panose="05000000000000000000" pitchFamily="2" charset="2"/>
+              <a:buChar char="Ø"/>
               <a:defRPr/>
             </a:pPr>
             <a:r>
@@ -10691,7 +10691,7 @@
           <a:graphicData uri="http://schemas.openxmlformats.org/presentationml/2006/ole">
             <mc:AlternateContent xmlns:mc="http://schemas.openxmlformats.org/markup-compatibility/2006">
               <mc:Choice xmlns:v="urn:schemas-microsoft-com:vml" Requires="v">
-                <p:oleObj spid="_x0000_s5211" name="封裝程式殼層物件" showAsIcon="1" r:id="rId4" imgW="744480" imgH="394920" progId="Package">
+                <p:oleObj spid="_x0000_s5219" name="封裝程式殼層物件" showAsIcon="1" r:id="rId4" imgW="744480" imgH="394920" progId="Package">
                   <p:embed/>
                 </p:oleObj>
               </mc:Choice>
@@ -11417,8 +11417,8 @@
           </a:p>
           <a:p>
             <a:pPr lvl="1" eaLnBrk="1" hangingPunct="1">
-              <a:buFont typeface="Arial" charset="0"/>
-              <a:buChar char="•"/>
+              <a:buFont typeface="Wingdings" panose="05000000000000000000" pitchFamily="2" charset="2"/>
+              <a:buChar char="Ø"/>
               <a:defRPr/>
             </a:pPr>
             <a:r>
@@ -11491,8 +11491,8 @@
           </a:p>
           <a:p>
             <a:pPr lvl="1" eaLnBrk="1" hangingPunct="1">
-              <a:buFont typeface="Arial" charset="0"/>
-              <a:buChar char="•"/>
+              <a:buFont typeface="Wingdings" panose="05000000000000000000" pitchFamily="2" charset="2"/>
+              <a:buChar char="Ø"/>
               <a:defRPr/>
             </a:pPr>
             <a:r>
@@ -11558,8 +11558,8 @@
           </a:p>
           <a:p>
             <a:pPr lvl="1" eaLnBrk="1" hangingPunct="1">
-              <a:buFont typeface="Arial" charset="0"/>
-              <a:buChar char="•"/>
+              <a:buFont typeface="Wingdings" panose="05000000000000000000" pitchFamily="2" charset="2"/>
+              <a:buChar char="Ø"/>
               <a:defRPr/>
             </a:pPr>
             <a:r>
@@ -12217,7 +12217,7 @@
           <p:cNvPicPr/>
           <p:nvPr/>
         </p:nvPicPr>
-        <p:blipFill>
+        <p:blipFill rotWithShape="1">
           <a:blip r:embed="rId3">
             <a:extLst>
               <a:ext uri="{28A0092B-C50C-407E-A947-70E740481C1C}">
@@ -12225,15 +12225,13 @@
               </a:ext>
             </a:extLst>
           </a:blip>
-          <a:srcRect/>
-          <a:stretch>
-            <a:fillRect/>
-          </a:stretch>
+          <a:srcRect b="8098"/>
+          <a:stretch/>
         </p:blipFill>
         <p:spPr bwMode="auto">
           <a:xfrm>
             <a:off x="1814119" y="2094599"/>
-            <a:ext cx="5653405" cy="2075180"/>
+            <a:ext cx="5653405" cy="1907130"/>
           </a:xfrm>
           <a:prstGeom prst="rect">
             <a:avLst/>
@@ -12749,7 +12747,7 @@
           <a:graphicData uri="http://schemas.openxmlformats.org/presentationml/2006/ole">
             <mc:AlternateContent xmlns:mc="http://schemas.openxmlformats.org/markup-compatibility/2006">
               <mc:Choice xmlns:v="urn:schemas-microsoft-com:vml" Requires="v">
-                <p:oleObj spid="_x0000_s6178" name="封裝程式殼層物件" showAsIcon="1" r:id="rId6" imgW="744480" imgH="394920" progId="Package">
+                <p:oleObj spid="_x0000_s6186" name="封裝程式殼層物件" showAsIcon="1" r:id="rId6" imgW="744480" imgH="394920" progId="Package">
                   <p:embed/>
                 </p:oleObj>
               </mc:Choice>
@@ -12784,6 +12782,94 @@
           </a:graphicData>
         </a:graphic>
       </p:graphicFrame>
+      <p:sp>
+        <p:nvSpPr>
+          <p:cNvPr id="3" name="矩形 2"/>
+          <p:cNvSpPr/>
+          <p:nvPr/>
+        </p:nvSpPr>
+        <p:spPr>
+          <a:xfrm>
+            <a:off x="3868615" y="1922585"/>
+            <a:ext cx="234462" cy="175846"/>
+          </a:xfrm>
+          <a:prstGeom prst="rect">
+            <a:avLst/>
+          </a:prstGeom>
+          <a:noFill/>
+          <a:ln>
+            <a:solidFill>
+              <a:srgbClr val="FF0000"/>
+            </a:solidFill>
+          </a:ln>
+        </p:spPr>
+        <p:style>
+          <a:lnRef idx="2">
+            <a:schemeClr val="dk1"/>
+          </a:lnRef>
+          <a:fillRef idx="1">
+            <a:schemeClr val="lt1"/>
+          </a:fillRef>
+          <a:effectRef idx="0">
+            <a:schemeClr val="dk1"/>
+          </a:effectRef>
+          <a:fontRef idx="minor">
+            <a:schemeClr val="dk1"/>
+          </a:fontRef>
+        </p:style>
+        <p:txBody>
+          <a:bodyPr rtlCol="0" anchor="ctr"/>
+          <a:lstStyle/>
+          <a:p>
+            <a:pPr algn="ctr"/>
+            <a:endParaRPr lang="zh-TW" altLang="en-US"/>
+          </a:p>
+        </p:txBody>
+      </p:sp>
+      <p:sp>
+        <p:nvSpPr>
+          <p:cNvPr id="8" name="矩形 7"/>
+          <p:cNvSpPr/>
+          <p:nvPr/>
+        </p:nvSpPr>
+        <p:spPr>
+          <a:xfrm>
+            <a:off x="7573104" y="1922585"/>
+            <a:ext cx="234462" cy="175846"/>
+          </a:xfrm>
+          <a:prstGeom prst="rect">
+            <a:avLst/>
+          </a:prstGeom>
+          <a:noFill/>
+          <a:ln>
+            <a:solidFill>
+              <a:srgbClr val="FF0000"/>
+            </a:solidFill>
+          </a:ln>
+        </p:spPr>
+        <p:style>
+          <a:lnRef idx="2">
+            <a:schemeClr val="dk1"/>
+          </a:lnRef>
+          <a:fillRef idx="1">
+            <a:schemeClr val="lt1"/>
+          </a:fillRef>
+          <a:effectRef idx="0">
+            <a:schemeClr val="dk1"/>
+          </a:effectRef>
+          <a:fontRef idx="minor">
+            <a:schemeClr val="dk1"/>
+          </a:fontRef>
+        </p:style>
+        <p:txBody>
+          <a:bodyPr rtlCol="0" anchor="ctr"/>
+          <a:lstStyle/>
+          <a:p>
+            <a:pPr algn="ctr"/>
+            <a:endParaRPr lang="zh-TW" altLang="en-US"/>
+          </a:p>
+        </p:txBody>
+      </p:sp>
     </p:spTree>
     <p:extLst>
       <p:ext uri="{BB962C8B-B14F-4D97-AF65-F5344CB8AC3E}">
@@ -13085,6 +13171,85 @@
                             </p:childTnLst>
                           </p:cTn>
                         </p:par>
+                        <p:par>
+                          <p:cTn id="26" fill="hold">
+                            <p:stCondLst>
+                              <p:cond delay="1000"/>
+                            </p:stCondLst>
+                            <p:childTnLst>
+                              <p:par>
+                                <p:cTn id="27" presetID="10" presetClass="entr" presetSubtype="0" fill="hold" grpId="0" nodeType="afterEffect">
+                                  <p:stCondLst>
+                                    <p:cond delay="0"/>
+                                  </p:stCondLst>
+                                  <p:childTnLst>
+                                    <p:set>
+                                      <p:cBhvr>
+                                        <p:cTn id="28" dur="1" fill="hold">
+                                          <p:stCondLst>
+                                            <p:cond delay="0"/>
+                                          </p:stCondLst>
+                                        </p:cTn>
+                                        <p:tgtEl>
+                                          <p:spTgt spid="3"/>
+                                        </p:tgtEl>
+                                        <p:attrNameLst>
+                                          <p:attrName>style.visibility</p:attrName>
+                                        </p:attrNameLst>
+                                      </p:cBhvr>
+                                      <p:to>
+                                        <p:strVal val="visible"/>
+                                      </p:to>
+                                    </p:set>
+                                    <p:animEffect transition="in" filter="fade">
+                                      <p:cBhvr>
+                                        <p:cTn id="29" dur="250"/>
+                                        <p:tgtEl>
+                                          <p:spTgt spid="3"/>
+                                        </p:tgtEl>
+                                      </p:cBhvr>
+                                    </p:animEffect>
+                                  </p:childTnLst>
+                                </p:cTn>
+                              </p:par>
+                              <p:par>
+                                <p:cTn id="30" presetID="10" presetClass="entr" presetSubtype="0" fill="hold" grpId="0" nodeType="withEffect">
+                                  <p:stCondLst>
+                                    <p:cond delay="0"/>
+                                  </p:stCondLst>
+                                  <p:childTnLst>
+                                    <p:set>
+                                      <p:cBhvr>
+                                        <p:cTn id="31" dur="1" fill="hold">
+                                          <p:stCondLst>
+                                            <p:cond delay="0"/>
+                                          </p:stCondLst>
+                                        </p:cTn>
+                                        <p:tgtEl>
+                                          <p:spTgt spid="8"/>
+                                        </p:tgtEl>
+                                        <p:attrNameLst>
+                                          <p:attrName>style.visibility</p:attrName>
+                                        </p:attrNameLst>
+                                      </p:cBhvr>
+                                      <p:to>
+                                        <p:strVal val="visible"/>
+                                      </p:to>
+                                    </p:set>
+                                    <p:animEffect transition="in" filter="fade">
+                                      <p:cBhvr>
+                                        <p:cTn id="32" dur="250"/>
+                                        <p:tgtEl>
+                                          <p:spTgt spid="8"/>
+                                        </p:tgtEl>
+                                      </p:cBhvr>
+                                    </p:animEffect>
+                                  </p:childTnLst>
+                                </p:cTn>
+                              </p:par>
+                            </p:childTnLst>
+                          </p:cTn>
+                        </p:par>
                       </p:childTnLst>
                     </p:cTn>
                   </p:par>
@@ -13111,6 +13276,8 @@
     </p:tnLst>
     <p:bldLst>
       <p:bldP spid="2" grpId="0"/>
+      <p:bldP spid="3" grpId="0" animBg="1"/>
+      <p:bldP spid="8" grpId="0" animBg="1"/>
     </p:bldLst>
   </p:timing>
 </p:sld>
@@ -13273,7 +13440,7 @@
           <p:cNvPicPr/>
           <p:nvPr/>
         </p:nvPicPr>
-        <p:blipFill>
+        <p:blipFill rotWithShape="1">
           <a:blip r:embed="rId3">
             <a:extLst>
               <a:ext uri="{28A0092B-C50C-407E-A947-70E740481C1C}">
@@ -13281,15 +13448,13 @@
               </a:ext>
             </a:extLst>
           </a:blip>
-          <a:srcRect/>
-          <a:stretch>
-            <a:fillRect/>
-          </a:stretch>
+          <a:srcRect b="12310"/>
+          <a:stretch/>
         </p:blipFill>
         <p:spPr bwMode="auto">
           <a:xfrm>
             <a:off x="1814119" y="2094599"/>
-            <a:ext cx="5696585" cy="2171700"/>
+            <a:ext cx="5696585" cy="1904377"/>
           </a:xfrm>
           <a:prstGeom prst="rect">
             <a:avLst/>
@@ -14227,7 +14392,7 @@
           <a:graphicData uri="http://schemas.openxmlformats.org/presentationml/2006/ole">
             <mc:AlternateContent xmlns:mc="http://schemas.openxmlformats.org/markup-compatibility/2006">
               <mc:Choice xmlns:v="urn:schemas-microsoft-com:vml" Requires="v">
-                <p:oleObj spid="_x0000_s7198" name="封裝程式殼層物件" showAsIcon="1" r:id="rId4" imgW="744480" imgH="394920" progId="Package">
+                <p:oleObj spid="_x0000_s7206" name="封裝程式殼層物件" showAsIcon="1" r:id="rId4" imgW="744480" imgH="394920" progId="Package">
                   <p:embed/>
                 </p:oleObj>
               </mc:Choice>
@@ -14344,6 +14509,94 @@
           </a:extLst>
         </p:spPr>
       </p:pic>
+      <p:sp>
+        <p:nvSpPr>
+          <p:cNvPr id="7" name="矩形 6"/>
+          <p:cNvSpPr/>
+          <p:nvPr/>
+        </p:nvSpPr>
+        <p:spPr>
+          <a:xfrm>
+            <a:off x="4021015" y="1910862"/>
+            <a:ext cx="234462" cy="175846"/>
+          </a:xfrm>
+          <a:prstGeom prst="rect">
+            <a:avLst/>
+          </a:prstGeom>
+          <a:noFill/>
+          <a:ln>
+            <a:solidFill>
+              <a:srgbClr val="FF0000"/>
+            </a:solidFill>
+          </a:ln>
+        </p:spPr>
+        <p:style>
+          <a:lnRef idx="2">
+            <a:schemeClr val="dk1"/>
+          </a:lnRef>
+          <a:fillRef idx="1">
+            <a:schemeClr val="lt1"/>
+          </a:fillRef>
+          <a:effectRef idx="0">
+            <a:schemeClr val="dk1"/>
+          </a:effectRef>
+          <a:fontRef idx="minor">
+            <a:schemeClr val="dk1"/>
+          </a:fontRef>
+        </p:style>
+        <p:txBody>
+          <a:bodyPr rtlCol="0" anchor="ctr"/>
+          <a:lstStyle/>
+          <a:p>
+            <a:pPr algn="ctr"/>
+            <a:endParaRPr lang="zh-TW" altLang="en-US"/>
+          </a:p>
+        </p:txBody>
+      </p:sp>
+      <p:sp>
+        <p:nvSpPr>
+          <p:cNvPr id="8" name="矩形 7"/>
+          <p:cNvSpPr/>
+          <p:nvPr/>
+        </p:nvSpPr>
+        <p:spPr>
+          <a:xfrm>
+            <a:off x="7795846" y="1910862"/>
+            <a:ext cx="234462" cy="175846"/>
+          </a:xfrm>
+          <a:prstGeom prst="rect">
+            <a:avLst/>
+          </a:prstGeom>
+          <a:noFill/>
+          <a:ln>
+            <a:solidFill>
+              <a:srgbClr val="FF0000"/>
+            </a:solidFill>
+          </a:ln>
+        </p:spPr>
+        <p:style>
+          <a:lnRef idx="2">
+            <a:schemeClr val="dk1"/>
+          </a:lnRef>
+          <a:fillRef idx="1">
+            <a:schemeClr val="lt1"/>
+          </a:fillRef>
+          <a:effectRef idx="0">
+            <a:schemeClr val="dk1"/>
+          </a:effectRef>
+          <a:fontRef idx="minor">
+            <a:schemeClr val="dk1"/>
+          </a:fontRef>
+        </p:style>
+        <p:txBody>
+          <a:bodyPr rtlCol="0" anchor="ctr"/>
+          <a:lstStyle/>
+          <a:p>
+            <a:pPr algn="ctr"/>
+            <a:endParaRPr lang="zh-TW" altLang="en-US"/>
+          </a:p>
+        </p:txBody>
+      </p:sp>
     </p:spTree>
     <p:extLst>
       <p:ext uri="{BB962C8B-B14F-4D97-AF65-F5344CB8AC3E}">
@@ -14645,6 +14898,85 @@
                             </p:childTnLst>
                           </p:cTn>
                         </p:par>
+                        <p:par>
+                          <p:cTn id="26" fill="hold">
+                            <p:stCondLst>
+                              <p:cond delay="1000"/>
+                            </p:stCondLst>
+                            <p:childTnLst>
+                              <p:par>
+                                <p:cTn id="27" presetID="10" presetClass="entr" presetSubtype="0" fill="hold" grpId="0" nodeType="afterEffect">
+                                  <p:stCondLst>
+                                    <p:cond delay="0"/>
+                                  </p:stCondLst>
+                                  <p:childTnLst>
+                                    <p:set>
+                                      <p:cBhvr>
+                                        <p:cTn id="28" dur="1" fill="hold">
+                                          <p:stCondLst>
+                                            <p:cond delay="0"/>
+                                          </p:stCondLst>
+                                        </p:cTn>
+                                        <p:tgtEl>
+                                          <p:spTgt spid="7"/>
+                                        </p:tgtEl>
+                                        <p:attrNameLst>
+                                          <p:attrName>style.visibility</p:attrName>
+                                        </p:attrNameLst>
+                                      </p:cBhvr>
+                                      <p:to>
+                                        <p:strVal val="visible"/>
+                                      </p:to>
+                                    </p:set>
+                                    <p:animEffect transition="in" filter="fade">
+                                      <p:cBhvr>
+                                        <p:cTn id="29" dur="250"/>
+                                        <p:tgtEl>
+                                          <p:spTgt spid="7"/>
+                                        </p:tgtEl>
+                                      </p:cBhvr>
+                                    </p:animEffect>
+                                  </p:childTnLst>
+                                </p:cTn>
+                              </p:par>
+                              <p:par>
+                                <p:cTn id="30" presetID="10" presetClass="entr" presetSubtype="0" fill="hold" grpId="0" nodeType="withEffect">
+                                  <p:stCondLst>
+                                    <p:cond delay="0"/>
+                                  </p:stCondLst>
+                                  <p:childTnLst>
+                                    <p:set>
+                                      <p:cBhvr>
+                                        <p:cTn id="31" dur="1" fill="hold">
+                                          <p:stCondLst>
+                                            <p:cond delay="0"/>
+                                          </p:stCondLst>
+                                        </p:cTn>
+                                        <p:tgtEl>
+                                          <p:spTgt spid="8"/>
+                                        </p:tgtEl>
+                                        <p:attrNameLst>
+                                          <p:attrName>style.visibility</p:attrName>
+                                        </p:attrNameLst>
+                                      </p:cBhvr>
+                                      <p:to>
+                                        <p:strVal val="visible"/>
+                                      </p:to>
+                                    </p:set>
+                                    <p:animEffect transition="in" filter="fade">
+                                      <p:cBhvr>
+                                        <p:cTn id="32" dur="250"/>
+                                        <p:tgtEl>
+                                          <p:spTgt spid="8"/>
+                                        </p:tgtEl>
+                                      </p:cBhvr>
+                                    </p:animEffect>
+                                  </p:childTnLst>
+                                </p:cTn>
+                              </p:par>
+                            </p:childTnLst>
+                          </p:cTn>
+                        </p:par>
                       </p:childTnLst>
                     </p:cTn>
                   </p:par>
@@ -14671,6 +15003,8 @@
     </p:tnLst>
     <p:bldLst>
       <p:bldP spid="2" grpId="0"/>
+      <p:bldP spid="7" grpId="0" animBg="1"/>
+      <p:bldP spid="8" grpId="0" animBg="1"/>
     </p:bldLst>
   </p:timing>
 </p:sld>
@@ -14760,8 +15094,8 @@
           </a:p>
           <a:p>
             <a:pPr marL="742950" lvl="2" indent="-342900" eaLnBrk="1" hangingPunct="1">
-              <a:buFont typeface="Arial" charset="0"/>
-              <a:buChar char="•"/>
+              <a:buFont typeface="Wingdings" panose="05000000000000000000" pitchFamily="2" charset="2"/>
+              <a:buChar char="Ø"/>
               <a:defRPr/>
             </a:pPr>
             <a:r>
@@ -14781,8 +15115,8 @@
           </a:p>
           <a:p>
             <a:pPr marL="742950" lvl="2" indent="-342900" eaLnBrk="1" hangingPunct="1">
-              <a:buFont typeface="Arial" charset="0"/>
-              <a:buChar char="•"/>
+              <a:buFont typeface="Wingdings" panose="05000000000000000000" pitchFamily="2" charset="2"/>
+              <a:buChar char="Ø"/>
               <a:defRPr/>
             </a:pPr>
             <a:r>
@@ -14831,8 +15165,8 @@
           </a:p>
           <a:p>
             <a:pPr marL="742950" lvl="2" indent="-342900" eaLnBrk="1" hangingPunct="1">
-              <a:buFont typeface="Arial" charset="0"/>
-              <a:buChar char="•"/>
+              <a:buFont typeface="Wingdings" panose="05000000000000000000" pitchFamily="2" charset="2"/>
+              <a:buChar char="Ø"/>
               <a:defRPr/>
             </a:pPr>
             <a:r>
@@ -14881,8 +15215,8 @@
           </a:p>
           <a:p>
             <a:pPr marL="742950" lvl="2" indent="-342900" eaLnBrk="1" hangingPunct="1">
-              <a:buFont typeface="Arial" charset="0"/>
-              <a:buChar char="•"/>
+              <a:buFont typeface="Wingdings" panose="05000000000000000000" pitchFamily="2" charset="2"/>
+              <a:buChar char="Ø"/>
               <a:defRPr/>
             </a:pPr>
             <a:r>
@@ -15814,7 +16148,7 @@
           <a:graphicData uri="http://schemas.openxmlformats.org/presentationml/2006/ole">
             <mc:AlternateContent xmlns:mc="http://schemas.openxmlformats.org/markup-compatibility/2006">
               <mc:Choice xmlns:v="urn:schemas-microsoft-com:vml" Requires="v">
-                <p:oleObj spid="_x0000_s8210" name="封裝程式殼層物件" showAsIcon="1" r:id="rId6" imgW="744480" imgH="394920" progId="Package">
+                <p:oleObj spid="_x0000_s8218" name="封裝程式殼層物件" showAsIcon="1" r:id="rId6" imgW="744480" imgH="394920" progId="Package">
                   <p:embed/>
                 </p:oleObj>
               </mc:Choice>
@@ -16238,6 +16572,85 @@
                             </p:childTnLst>
                           </p:cTn>
                         </p:par>
+                        <p:par>
+                          <p:cTn id="26" fill="hold">
+                            <p:stCondLst>
+                              <p:cond delay="1000"/>
+                            </p:stCondLst>
+                            <p:childTnLst>
+                              <p:par>
+                                <p:cTn id="27" presetID="10" presetClass="entr" presetSubtype="0" fill="hold" grpId="0" nodeType="afterEffect">
+                                  <p:stCondLst>
+                                    <p:cond delay="0"/>
+                                  </p:stCondLst>
+                                  <p:childTnLst>
+                                    <p:set>
+                                      <p:cBhvr>
+                                        <p:cTn id="28" dur="1" fill="hold">
+                                          <p:stCondLst>
+                                            <p:cond delay="0"/>
+                                          </p:stCondLst>
+                                        </p:cTn>
+                                        <p:tgtEl>
+                                          <p:spTgt spid="3"/>
+                                        </p:tgtEl>
+                                        <p:attrNameLst>
+                                          <p:attrName>style.visibility</p:attrName>
+                                        </p:attrNameLst>
+                                      </p:cBhvr>
+                                      <p:to>
+                                        <p:strVal val="visible"/>
+                                      </p:to>
+                                    </p:set>
+                                    <p:animEffect transition="in" filter="fade">
+                                      <p:cBhvr>
+                                        <p:cTn id="29" dur="250"/>
+                                        <p:tgtEl>
+                                          <p:spTgt spid="3"/>
+                                        </p:tgtEl>
+                                      </p:cBhvr>
+                                    </p:animEffect>
+                                  </p:childTnLst>
+                                </p:cTn>
+                              </p:par>
+                              <p:par>
+                                <p:cTn id="30" presetID="10" presetClass="entr" presetSubtype="0" fill="hold" grpId="0" nodeType="withEffect">
+                                  <p:stCondLst>
+                                    <p:cond delay="0"/>
+                                  </p:stCondLst>
+                                  <p:childTnLst>
+                                    <p:set>
+                                      <p:cBhvr>
+                                        <p:cTn id="31" dur="1" fill="hold">
+                                          <p:stCondLst>
+                                            <p:cond delay="0"/>
+                                          </p:stCondLst>
+                                        </p:cTn>
+                                        <p:tgtEl>
+                                          <p:spTgt spid="9"/>
+                                        </p:tgtEl>
+                                        <p:attrNameLst>
+                                          <p:attrName>style.visibility</p:attrName>
+                                        </p:attrNameLst>
+                                      </p:cBhvr>
+                                      <p:to>
+                                        <p:strVal val="visible"/>
+                                      </p:to>
+                                    </p:set>
+                                    <p:animEffect transition="in" filter="fade">
+                                      <p:cBhvr>
+                                        <p:cTn id="32" dur="250"/>
+                                        <p:tgtEl>
+                                          <p:spTgt spid="9"/>
+                                        </p:tgtEl>
+                                      </p:cBhvr>
+                                    </p:animEffect>
+                                  </p:childTnLst>
+                                </p:cTn>
+                              </p:par>
+                            </p:childTnLst>
+                          </p:cTn>
+                        </p:par>
                       </p:childTnLst>
                     </p:cTn>
                   </p:par>
@@ -16264,6 +16677,8 @@
     </p:tnLst>
     <p:bldLst>
       <p:bldP spid="2" grpId="0"/>
+      <p:bldP spid="3" grpId="0" animBg="1"/>
+      <p:bldP spid="9" grpId="0" animBg="1"/>
     </p:bldLst>
   </p:timing>
 </p:sld>
@@ -16382,8 +16797,8 @@
           </a:p>
           <a:p>
             <a:pPr marL="1200150" lvl="3" indent="-342900" eaLnBrk="1" hangingPunct="1">
-              <a:buFont typeface="Arial" charset="0"/>
-              <a:buChar char="•"/>
+              <a:buFont typeface="Wingdings" panose="05000000000000000000" pitchFamily="2" charset="2"/>
+              <a:buChar char="Ø"/>
               <a:defRPr/>
             </a:pPr>
             <a:r>
@@ -16456,8 +16871,8 @@
           </a:p>
           <a:p>
             <a:pPr marL="1200150" lvl="3" indent="-342900" eaLnBrk="1" hangingPunct="1">
-              <a:buFont typeface="Arial" charset="0"/>
-              <a:buChar char="•"/>
+              <a:buFont typeface="Wingdings" panose="05000000000000000000" pitchFamily="2" charset="2"/>
+              <a:buChar char="Ø"/>
               <a:defRPr/>
             </a:pPr>
             <a:r>
@@ -16551,8 +16966,8 @@
           </a:p>
           <a:p>
             <a:pPr marL="1200150" lvl="3" indent="-342900" eaLnBrk="1" hangingPunct="1">
-              <a:buFont typeface="Arial" charset="0"/>
-              <a:buChar char="•"/>
+              <a:buFont typeface="Wingdings" panose="05000000000000000000" pitchFamily="2" charset="2"/>
+              <a:buChar char="Ø"/>
               <a:defRPr/>
             </a:pPr>
             <a:r>
@@ -16632,8 +17047,8 @@
           </a:p>
           <a:p>
             <a:pPr marL="1200150" lvl="3" indent="-342900" eaLnBrk="1" hangingPunct="1">
-              <a:buFont typeface="Arial" charset="0"/>
-              <a:buChar char="•"/>
+              <a:buFont typeface="Wingdings" panose="05000000000000000000" pitchFamily="2" charset="2"/>
+              <a:buChar char="Ø"/>
               <a:defRPr/>
             </a:pPr>
             <a:r>
@@ -16727,8 +17142,8 @@
           </a:p>
           <a:p>
             <a:pPr marL="1200150" lvl="3" indent="-342900" eaLnBrk="1" hangingPunct="1">
-              <a:buFont typeface="Arial" charset="0"/>
-              <a:buChar char="•"/>
+              <a:buFont typeface="Wingdings" panose="05000000000000000000" pitchFamily="2" charset="2"/>
+              <a:buChar char="Ø"/>
               <a:defRPr/>
             </a:pPr>
             <a:r>
@@ -17458,8 +17873,8 @@
           </a:p>
           <a:p>
             <a:pPr lvl="1" eaLnBrk="1" hangingPunct="1">
-              <a:buFont typeface="Arial" charset="0"/>
-              <a:buChar char="•"/>
+              <a:buFont typeface="Wingdings" panose="05000000000000000000" pitchFamily="2" charset="2"/>
+              <a:buChar char="Ø"/>
               <a:defRPr/>
             </a:pPr>
             <a:r>
@@ -17472,8 +17887,8 @@
           </a:p>
           <a:p>
             <a:pPr lvl="1" eaLnBrk="1" hangingPunct="1">
-              <a:buFont typeface="Arial" charset="0"/>
-              <a:buChar char="•"/>
+              <a:buFont typeface="Wingdings" panose="05000000000000000000" pitchFamily="2" charset="2"/>
+              <a:buChar char="Ø"/>
               <a:defRPr/>
             </a:pPr>
             <a:r>
@@ -17546,8 +17961,8 @@
           </a:p>
           <a:p>
             <a:pPr marL="742950" lvl="2" indent="-342900" eaLnBrk="1" hangingPunct="1">
-              <a:buFont typeface="Arial" charset="0"/>
-              <a:buChar char="•"/>
+              <a:buFont typeface="Wingdings" panose="05000000000000000000" pitchFamily="2" charset="2"/>
+              <a:buChar char="Ø"/>
               <a:defRPr/>
             </a:pPr>
             <a:r>
@@ -17578,8 +17993,8 @@
           </a:p>
           <a:p>
             <a:pPr marL="742950" lvl="2" indent="-342900" eaLnBrk="1" hangingPunct="1">
-              <a:buFont typeface="Arial" charset="0"/>
-              <a:buChar char="•"/>
+              <a:buFont typeface="Wingdings" panose="05000000000000000000" pitchFamily="2" charset="2"/>
+              <a:buChar char="Ø"/>
               <a:defRPr/>
             </a:pPr>
             <a:r>
@@ -17668,7 +18083,7 @@
           <a:graphicData uri="http://schemas.openxmlformats.org/presentationml/2006/ole">
             <mc:AlternateContent xmlns:mc="http://schemas.openxmlformats.org/markup-compatibility/2006">
               <mc:Choice xmlns:v="urn:schemas-microsoft-com:vml" Requires="v">
-                <p:oleObj spid="_x0000_s3243" name="封裝程式殼層物件" showAsIcon="1" r:id="rId4" imgW="671760" imgH="394920" progId="Package">
+                <p:oleObj spid="_x0000_s3251" name="封裝程式殼層物件" showAsIcon="1" r:id="rId4" imgW="671760" imgH="394920" progId="Package">
                   <p:embed/>
                 </p:oleObj>
               </mc:Choice>
@@ -18240,8 +18655,8 @@
           </a:p>
           <a:p>
             <a:pPr marL="742950" lvl="2" indent="-342900" eaLnBrk="1" hangingPunct="1">
-              <a:buFont typeface="Arial" charset="0"/>
-              <a:buChar char="•"/>
+              <a:buFont typeface="Wingdings" panose="05000000000000000000" pitchFamily="2" charset="2"/>
+              <a:buChar char="Ø"/>
               <a:defRPr/>
             </a:pPr>
             <a:r>
@@ -18254,8 +18669,8 @@
           </a:p>
           <a:p>
             <a:pPr marL="742950" lvl="2" indent="-342900" eaLnBrk="1" hangingPunct="1">
-              <a:buFont typeface="Arial" charset="0"/>
-              <a:buChar char="•"/>
+              <a:buFont typeface="Wingdings" panose="05000000000000000000" pitchFamily="2" charset="2"/>
+              <a:buChar char="Ø"/>
               <a:defRPr/>
             </a:pPr>
             <a:r>
@@ -18275,8 +18690,8 @@
           </a:p>
           <a:p>
             <a:pPr marL="742950" lvl="2" indent="-342900" eaLnBrk="1" hangingPunct="1">
-              <a:buFont typeface="Arial" charset="0"/>
-              <a:buChar char="•"/>
+              <a:buFont typeface="Wingdings" panose="05000000000000000000" pitchFamily="2" charset="2"/>
+              <a:buChar char="Ø"/>
               <a:defRPr/>
             </a:pPr>
             <a:r>
@@ -18289,8 +18704,8 @@
           </a:p>
           <a:p>
             <a:pPr marL="742950" lvl="2" indent="-342900" eaLnBrk="1" hangingPunct="1">
-              <a:buFont typeface="Arial" charset="0"/>
-              <a:buChar char="•"/>
+              <a:buFont typeface="Wingdings" panose="05000000000000000000" pitchFamily="2" charset="2"/>
+              <a:buChar char="Ø"/>
               <a:defRPr/>
             </a:pPr>
             <a:r>
@@ -18303,8 +18718,8 @@
           </a:p>
           <a:p>
             <a:pPr marL="742950" lvl="2" indent="-342900" eaLnBrk="1" hangingPunct="1">
-              <a:buFont typeface="Arial" charset="0"/>
-              <a:buChar char="•"/>
+              <a:buFont typeface="Wingdings" panose="05000000000000000000" pitchFamily="2" charset="2"/>
+              <a:buChar char="Ø"/>
               <a:defRPr/>
             </a:pPr>
             <a:r>
@@ -18317,8 +18732,8 @@
           </a:p>
           <a:p>
             <a:pPr marL="742950" lvl="2" indent="-342900" eaLnBrk="1" hangingPunct="1">
-              <a:buFont typeface="Arial" charset="0"/>
-              <a:buChar char="•"/>
+              <a:buFont typeface="Wingdings" panose="05000000000000000000" pitchFamily="2" charset="2"/>
+              <a:buChar char="Ø"/>
               <a:defRPr/>
             </a:pPr>
             <a:r>
@@ -18411,6 +18826,50 @@
           </a:ln>
         </p:spPr>
       </p:pic>
+      <p:sp>
+        <p:nvSpPr>
+          <p:cNvPr id="5" name="矩形 4"/>
+          <p:cNvSpPr/>
+          <p:nvPr/>
+        </p:nvSpPr>
+        <p:spPr>
+          <a:xfrm>
+            <a:off x="917614" y="3563816"/>
+            <a:ext cx="2060048" cy="1066800"/>
+          </a:xfrm>
+          <a:prstGeom prst="rect">
+            <a:avLst/>
+          </a:prstGeom>
+          <a:noFill/>
+          <a:ln>
+            <a:solidFill>
+              <a:srgbClr val="FF0000"/>
+            </a:solidFill>
+          </a:ln>
+        </p:spPr>
+        <p:style>
+          <a:lnRef idx="2">
+            <a:schemeClr val="dk1"/>
+          </a:lnRef>
+          <a:fillRef idx="1">
+            <a:schemeClr val="lt1"/>
+          </a:fillRef>
+          <a:effectRef idx="0">
+            <a:schemeClr val="dk1"/>
+          </a:effectRef>
+          <a:fontRef idx="minor">
+            <a:schemeClr val="dk1"/>
+          </a:fontRef>
+        </p:style>
+        <p:txBody>
+          <a:bodyPr rtlCol="0" anchor="ctr"/>
+          <a:lstStyle/>
+          <a:p>
+            <a:pPr algn="ctr"/>
+            <a:endParaRPr lang="zh-TW" altLang="en-US"/>
+          </a:p>
+        </p:txBody>
+      </p:sp>
     </p:spTree>
     <p:extLst>
       <p:ext uri="{BB962C8B-B14F-4D97-AF65-F5344CB8AC3E}">
@@ -18899,6 +19358,41 @@
                                   </p:childTnLst>
                                 </p:cTn>
                               </p:par>
+                              <p:par>
+                                <p:cTn id="40" presetID="10" presetClass="entr" presetSubtype="0" fill="hold" grpId="0" nodeType="withEffect">
+                                  <p:stCondLst>
+                                    <p:cond delay="0"/>
+                                  </p:stCondLst>
+                                  <p:childTnLst>
+                                    <p:set>
+                                      <p:cBhvr>
+                                        <p:cTn id="41" dur="1" fill="hold">
+                                          <p:stCondLst>
+                                            <p:cond delay="0"/>
+                                          </p:stCondLst>
+                                        </p:cTn>
+                                        <p:tgtEl>
+                                          <p:spTgt spid="5"/>
+                                        </p:tgtEl>
+                                        <p:attrNameLst>
+                                          <p:attrName>style.visibility</p:attrName>
+                                        </p:attrNameLst>
+                                      </p:cBhvr>
+                                      <p:to>
+                                        <p:strVal val="visible"/>
+                                      </p:to>
+                                    </p:set>
+                                    <p:animEffect transition="in" filter="fade">
+                                      <p:cBhvr>
+                                        <p:cTn id="42" dur="250"/>
+                                        <p:tgtEl>
+                                          <p:spTgt spid="5"/>
+                                        </p:tgtEl>
+                                      </p:cBhvr>
+                                    </p:animEffect>
+                                  </p:childTnLst>
+                                </p:cTn>
+                              </p:par>
                             </p:childTnLst>
                           </p:cTn>
                         </p:par>
@@ -18929,6 +19423,7 @@
     <p:bldLst>
       <p:bldP spid="15362" grpId="0" uiExpand="1" build="p"/>
       <p:bldP spid="2" grpId="0"/>
+      <p:bldP spid="5" grpId="0" animBg="1"/>
     </p:bldLst>
   </p:timing>
 </p:sld>
@@ -19224,6 +19719,50 @@
           </a:extLst>
         </p:spPr>
       </p:pic>
+      <p:sp>
+        <p:nvSpPr>
+          <p:cNvPr id="9" name="矩形 8"/>
+          <p:cNvSpPr/>
+          <p:nvPr/>
+        </p:nvSpPr>
+        <p:spPr>
+          <a:xfrm>
+            <a:off x="6796942" y="1746739"/>
+            <a:ext cx="1330282" cy="2014136"/>
+          </a:xfrm>
+          <a:prstGeom prst="rect">
+            <a:avLst/>
+          </a:prstGeom>
+          <a:noFill/>
+          <a:ln>
+            <a:solidFill>
+              <a:srgbClr val="FF0000"/>
+            </a:solidFill>
+          </a:ln>
+        </p:spPr>
+        <p:style>
+          <a:lnRef idx="2">
+            <a:schemeClr val="dk1"/>
+          </a:lnRef>
+          <a:fillRef idx="1">
+            <a:schemeClr val="lt1"/>
+          </a:fillRef>
+          <a:effectRef idx="0">
+            <a:schemeClr val="dk1"/>
+          </a:effectRef>
+          <a:fontRef idx="minor">
+            <a:schemeClr val="dk1"/>
+          </a:fontRef>
+        </p:style>
+        <p:txBody>
+          <a:bodyPr rtlCol="0" anchor="ctr"/>
+          <a:lstStyle/>
+          <a:p>
+            <a:pPr algn="ctr"/>
+            <a:endParaRPr lang="zh-TW" altLang="en-US"/>
+          </a:p>
+        </p:txBody>
+      </p:sp>
     </p:spTree>
     <p:extLst>
       <p:ext uri="{BB962C8B-B14F-4D97-AF65-F5344CB8AC3E}">
@@ -19576,6 +20115,41 @@
                                   </p:childTnLst>
                                 </p:cTn>
                               </p:par>
+                              <p:par>
+                                <p:cTn id="32" presetID="10" presetClass="entr" presetSubtype="0" fill="hold" grpId="0" nodeType="withEffect">
+                                  <p:stCondLst>
+                                    <p:cond delay="0"/>
+                                  </p:stCondLst>
+                                  <p:childTnLst>
+                                    <p:set>
+                                      <p:cBhvr>
+                                        <p:cTn id="33" dur="1" fill="hold">
+                                          <p:stCondLst>
+                                            <p:cond delay="0"/>
+                                          </p:stCondLst>
+                                        </p:cTn>
+                                        <p:tgtEl>
+                                          <p:spTgt spid="9"/>
+                                        </p:tgtEl>
+                                        <p:attrNameLst>
+                                          <p:attrName>style.visibility</p:attrName>
+                                        </p:attrNameLst>
+                                      </p:cBhvr>
+                                      <p:to>
+                                        <p:strVal val="visible"/>
+                                      </p:to>
+                                    </p:set>
+                                    <p:animEffect transition="in" filter="fade">
+                                      <p:cBhvr>
+                                        <p:cTn id="34" dur="250"/>
+                                        <p:tgtEl>
+                                          <p:spTgt spid="9"/>
+                                        </p:tgtEl>
+                                      </p:cBhvr>
+                                    </p:animEffect>
+                                  </p:childTnLst>
+                                </p:cTn>
+                              </p:par>
                             </p:childTnLst>
                           </p:cTn>
                         </p:par>
@@ -19606,6 +20180,7 @@
     <p:bldLst>
       <p:bldP spid="15362" grpId="0" build="p"/>
       <p:bldP spid="2" grpId="0"/>
+      <p:bldP spid="9" grpId="0" animBg="1"/>
     </p:bldLst>
   </p:timing>
 </p:sld>
@@ -19667,8 +20242,8 @@
           </a:p>
           <a:p>
             <a:pPr marL="742950" lvl="2" indent="-342900" eaLnBrk="1" hangingPunct="1">
-              <a:buFont typeface="Arial" charset="0"/>
-              <a:buChar char="•"/>
+              <a:buFont typeface="Wingdings" panose="05000000000000000000" pitchFamily="2" charset="2"/>
+              <a:buChar char="Ø"/>
               <a:defRPr/>
             </a:pPr>
             <a:r>
@@ -19685,8 +20260,8 @@
           </a:p>
           <a:p>
             <a:pPr marL="742950" lvl="2" indent="-342900" eaLnBrk="1" hangingPunct="1">
-              <a:buFont typeface="Arial" charset="0"/>
-              <a:buChar char="•"/>
+              <a:buFont typeface="Wingdings" panose="05000000000000000000" pitchFamily="2" charset="2"/>
+              <a:buChar char="Ø"/>
               <a:defRPr/>
             </a:pPr>
             <a:r>
@@ -20471,8 +21046,8 @@
           </a:p>
           <a:p>
             <a:pPr marL="742950" lvl="2" indent="-342900" eaLnBrk="1" hangingPunct="1">
-              <a:buFont typeface="Arial" charset="0"/>
-              <a:buChar char="•"/>
+              <a:buFont typeface="Wingdings" panose="05000000000000000000" pitchFamily="2" charset="2"/>
+              <a:buChar char="Ø"/>
               <a:defRPr/>
             </a:pPr>
             <a:r>
@@ -20485,8 +21060,8 @@
           </a:p>
           <a:p>
             <a:pPr marL="742950" lvl="2" indent="-342900" eaLnBrk="1" hangingPunct="1">
-              <a:buFont typeface="Arial" charset="0"/>
-              <a:buChar char="•"/>
+              <a:buFont typeface="Wingdings" panose="05000000000000000000" pitchFamily="2" charset="2"/>
+              <a:buChar char="Ø"/>
               <a:defRPr/>
             </a:pPr>
             <a:r>
@@ -20513,8 +21088,8 @@
           </a:p>
           <a:p>
             <a:pPr marL="742950" lvl="2" indent="-342900" eaLnBrk="1" hangingPunct="1">
-              <a:buFont typeface="Arial" charset="0"/>
-              <a:buChar char="•"/>
+              <a:buFont typeface="Wingdings" panose="05000000000000000000" pitchFamily="2" charset="2"/>
+              <a:buChar char="Ø"/>
               <a:defRPr/>
             </a:pPr>
             <a:r>
@@ -20552,8 +21127,8 @@
           </a:p>
           <a:p>
             <a:pPr marL="742950" lvl="2" indent="-342900" eaLnBrk="1" hangingPunct="1">
-              <a:buFont typeface="Arial" charset="0"/>
-              <a:buChar char="•"/>
+              <a:buFont typeface="Wingdings" panose="05000000000000000000" pitchFamily="2" charset="2"/>
+              <a:buChar char="Ø"/>
               <a:defRPr/>
             </a:pPr>
             <a:r>
@@ -20591,8 +21166,8 @@
           </a:p>
           <a:p>
             <a:pPr marL="742950" lvl="2" indent="-342900" eaLnBrk="1" hangingPunct="1">
-              <a:buFont typeface="Arial" charset="0"/>
-              <a:buChar char="•"/>
+              <a:buFont typeface="Wingdings" panose="05000000000000000000" pitchFamily="2" charset="2"/>
+              <a:buChar char="Ø"/>
               <a:defRPr/>
             </a:pPr>
             <a:r>
@@ -21717,8 +22292,8 @@
           </a:p>
           <a:p>
             <a:pPr marL="742950" lvl="2" indent="-342900" eaLnBrk="1" hangingPunct="1">
-              <a:buFont typeface="Arial" charset="0"/>
-              <a:buChar char="•"/>
+              <a:buFont typeface="Wingdings" panose="05000000000000000000" pitchFamily="2" charset="2"/>
+              <a:buChar char="Ø"/>
               <a:defRPr/>
             </a:pPr>
             <a:r>
@@ -21861,7 +22436,7 @@
           <a:graphicData uri="http://schemas.openxmlformats.org/presentationml/2006/ole">
             <mc:AlternateContent xmlns:mc="http://schemas.openxmlformats.org/markup-compatibility/2006">
               <mc:Choice xmlns:v="urn:schemas-microsoft-com:vml" Requires="v">
-                <p:oleObj spid="_x0000_s4270" name="封裝程式殼層物件" showAsIcon="1" r:id="rId5" imgW="1467360" imgH="394920" progId="Package">
+                <p:oleObj spid="_x0000_s4286" name="封裝程式殼層物件" showAsIcon="1" r:id="rId5" imgW="1467360" imgH="394920" progId="Package">
                   <p:embed/>
                 </p:oleObj>
               </mc:Choice>
@@ -21918,7 +22493,7 @@
           <a:graphicData uri="http://schemas.openxmlformats.org/presentationml/2006/ole">
             <mc:AlternateContent xmlns:mc="http://schemas.openxmlformats.org/markup-compatibility/2006">
               <mc:Choice xmlns:v="urn:schemas-microsoft-com:vml" Requires="v">
-                <p:oleObj spid="_x0000_s4271" name="封裝程式殼層物件" showAsIcon="1" r:id="rId7" imgW="1438200" imgH="394920" progId="Package">
+                <p:oleObj spid="_x0000_s4287" name="封裝程式殼層物件" showAsIcon="1" r:id="rId7" imgW="1438200" imgH="394920" progId="Package">
                   <p:embed/>
                 </p:oleObj>
               </mc:Choice>
@@ -22360,8 +22935,8 @@
           </a:p>
           <a:p>
             <a:pPr marL="742950" lvl="2" indent="-342900" eaLnBrk="1" hangingPunct="1">
-              <a:buFont typeface="Arial" charset="0"/>
-              <a:buChar char="•"/>
+              <a:buFont typeface="Wingdings" panose="05000000000000000000" pitchFamily="2" charset="2"/>
+              <a:buChar char="Ø"/>
               <a:defRPr/>
             </a:pPr>
             <a:r>
@@ -22420,8 +22995,8 @@
           </a:p>
           <a:p>
             <a:pPr marL="742950" lvl="2" indent="-342900" eaLnBrk="1" hangingPunct="1">
-              <a:buFont typeface="Arial" charset="0"/>
-              <a:buChar char="•"/>
+              <a:buFont typeface="Wingdings" panose="05000000000000000000" pitchFamily="2" charset="2"/>
+              <a:buChar char="Ø"/>
               <a:defRPr/>
             </a:pPr>
             <a:r>
@@ -22849,8 +23424,8 @@
           </a:p>
           <a:p>
             <a:pPr marL="742950" lvl="2" indent="-342900" eaLnBrk="1" hangingPunct="1">
-              <a:buFont typeface="Arial" charset="0"/>
-              <a:buChar char="•"/>
+              <a:buFont typeface="Wingdings" panose="05000000000000000000" pitchFamily="2" charset="2"/>
+              <a:buChar char="Ø"/>
               <a:defRPr/>
             </a:pPr>
             <a:r>
@@ -22863,8 +23438,8 @@
           </a:p>
           <a:p>
             <a:pPr marL="742950" lvl="2" indent="-342900" eaLnBrk="1" hangingPunct="1">
-              <a:buFont typeface="Arial" charset="0"/>
-              <a:buChar char="•"/>
+              <a:buFont typeface="Wingdings" panose="05000000000000000000" pitchFamily="2" charset="2"/>
+              <a:buChar char="Ø"/>
               <a:defRPr/>
             </a:pPr>
             <a:r>
@@ -22877,8 +23452,8 @@
           </a:p>
           <a:p>
             <a:pPr marL="742950" lvl="2" indent="-342900" eaLnBrk="1" hangingPunct="1">
-              <a:buFont typeface="Arial" charset="0"/>
-              <a:buChar char="•"/>
+              <a:buFont typeface="Wingdings" panose="05000000000000000000" pitchFamily="2" charset="2"/>
+              <a:buChar char="Ø"/>
               <a:defRPr/>
             </a:pPr>
             <a:r>
@@ -22891,8 +23466,8 @@
           </a:p>
           <a:p>
             <a:pPr marL="742950" lvl="2" indent="-342900" eaLnBrk="1" hangingPunct="1">
-              <a:buFont typeface="Arial" charset="0"/>
-              <a:buChar char="•"/>
+              <a:buFont typeface="Wingdings" panose="05000000000000000000" pitchFamily="2" charset="2"/>
+              <a:buChar char="Ø"/>
               <a:defRPr/>
             </a:pPr>
             <a:r>
@@ -23589,8 +24164,8 @@
           </a:p>
           <a:p>
             <a:pPr marL="742950" lvl="2" indent="-342900" eaLnBrk="1" hangingPunct="1">
-              <a:buFont typeface="Arial" charset="0"/>
-              <a:buChar char="•"/>
+              <a:buFont typeface="Wingdings" panose="05000000000000000000" pitchFamily="2" charset="2"/>
+              <a:buChar char="Ø"/>
               <a:defRPr/>
             </a:pPr>
             <a:r>
@@ -23628,8 +24203,8 @@
           </a:p>
           <a:p>
             <a:pPr marL="742950" lvl="2" indent="-342900" eaLnBrk="1" hangingPunct="1">
-              <a:buFont typeface="Arial" charset="0"/>
-              <a:buChar char="•"/>
+              <a:buFont typeface="Wingdings" panose="05000000000000000000" pitchFamily="2" charset="2"/>
+              <a:buChar char="Ø"/>
               <a:defRPr/>
             </a:pPr>
             <a:r>
@@ -24415,8 +24990,8 @@
           </a:p>
           <a:p>
             <a:pPr lvl="1" indent="-342900" eaLnBrk="1" hangingPunct="1">
-              <a:buFont typeface="Arial" charset="0"/>
-              <a:buChar char="•"/>
+              <a:buFont typeface="Wingdings" panose="05000000000000000000" pitchFamily="2" charset="2"/>
+              <a:buChar char="Ø"/>
               <a:defRPr/>
             </a:pPr>
             <a:r>
@@ -24429,8 +25004,8 @@
           </a:p>
           <a:p>
             <a:pPr lvl="1" indent="-342900" eaLnBrk="1" hangingPunct="1">
-              <a:buFont typeface="Arial" charset="0"/>
-              <a:buChar char="•"/>
+              <a:buFont typeface="Wingdings" panose="05000000000000000000" pitchFamily="2" charset="2"/>
+              <a:buChar char="Ø"/>
               <a:defRPr/>
             </a:pPr>
             <a:r>
@@ -24443,8 +25018,8 @@
           </a:p>
           <a:p>
             <a:pPr lvl="1" indent="-342900" eaLnBrk="1" hangingPunct="1">
-              <a:buFont typeface="Arial" charset="0"/>
-              <a:buChar char="•"/>
+              <a:buFont typeface="Wingdings" panose="05000000000000000000" pitchFamily="2" charset="2"/>
+              <a:buChar char="Ø"/>
               <a:defRPr/>
             </a:pPr>
             <a:r>
@@ -24457,8 +25032,8 @@
           </a:p>
           <a:p>
             <a:pPr lvl="1" indent="-342900" eaLnBrk="1" hangingPunct="1">
-              <a:buFont typeface="Arial" charset="0"/>
-              <a:buChar char="•"/>
+              <a:buFont typeface="Wingdings" panose="05000000000000000000" pitchFamily="2" charset="2"/>
+              <a:buChar char="Ø"/>
               <a:defRPr/>
             </a:pPr>
             <a:r>
@@ -24471,8 +25046,8 @@
           </a:p>
           <a:p>
             <a:pPr lvl="1" indent="-342900" eaLnBrk="1" hangingPunct="1">
-              <a:buFont typeface="Arial" charset="0"/>
-              <a:buChar char="•"/>
+              <a:buFont typeface="Wingdings" panose="05000000000000000000" pitchFamily="2" charset="2"/>
+              <a:buChar char="Ø"/>
               <a:defRPr/>
             </a:pPr>
             <a:r>
@@ -29156,8 +29731,8 @@
           </a:p>
           <a:p>
             <a:pPr lvl="1" eaLnBrk="1" hangingPunct="1">
-              <a:buFont typeface="Arial" charset="0"/>
-              <a:buChar char="•"/>
+              <a:buFont typeface="Wingdings" panose="05000000000000000000" pitchFamily="2" charset="2"/>
+              <a:buChar char="Ø"/>
               <a:defRPr/>
             </a:pPr>
             <a:r>
@@ -29184,8 +29759,8 @@
           </a:p>
           <a:p>
             <a:pPr lvl="1" eaLnBrk="1" hangingPunct="1">
-              <a:buFont typeface="Arial" charset="0"/>
-              <a:buChar char="•"/>
+              <a:buFont typeface="Wingdings" panose="05000000000000000000" pitchFamily="2" charset="2"/>
+              <a:buChar char="Ø"/>
               <a:defRPr/>
             </a:pPr>
             <a:r>
@@ -29226,8 +29801,8 @@
           </a:p>
           <a:p>
             <a:pPr lvl="1" eaLnBrk="1" hangingPunct="1">
-              <a:buFont typeface="Arial" charset="0"/>
-              <a:buChar char="•"/>
+              <a:buFont typeface="Wingdings" panose="05000000000000000000" pitchFamily="2" charset="2"/>
+              <a:buChar char="Ø"/>
               <a:defRPr/>
             </a:pPr>
             <a:r>

--- a/kpi/Test Automation.pptx
+++ b/kpi/Test Automation.pptx
@@ -1373,6 +1373,68 @@
           <a:bodyPr/>
           <a:lstStyle/>
           <a:p>
+            <a:pPr marL="0" marR="0" indent="0" algn="l" defTabSz="914400" rtl="0" eaLnBrk="0" fontAlgn="base" latinLnBrk="0" hangingPunct="0">
+              <a:lnSpc>
+                <a:spcPct val="100000"/>
+              </a:lnSpc>
+              <a:spcBef>
+                <a:spcPct val="30000"/>
+              </a:spcBef>
+              <a:spcAft>
+                <a:spcPct val="0"/>
+              </a:spcAft>
+              <a:buClrTx/>
+              <a:buSzTx/>
+              <a:buFontTx/>
+              <a:buNone/>
+              <a:tabLst/>
+              <a:defRPr/>
+            </a:pPr>
+            <a:r>
+              <a:rPr lang="zh-TW" altLang="en-US" dirty="0" smtClean="0"/>
+              <a:t>解決方案</a:t>
+            </a:r>
+            <a:endParaRPr lang="en-US" altLang="zh-TW" dirty="0" smtClean="0"/>
+          </a:p>
+          <a:p>
+            <a:r>
+              <a:rPr lang="zh-TW" altLang="en-US" dirty="0" smtClean="0"/>
+              <a:t>減少手動測試失誤問題</a:t>
+            </a:r>
+          </a:p>
+          <a:p>
+            <a:r>
+              <a:rPr lang="zh-TW" altLang="en-US" dirty="0" smtClean="0"/>
+              <a:t>省去手動切換 </a:t>
+            </a:r>
+            <a:r>
+              <a:rPr lang="en-US" altLang="zh-TW" dirty="0" smtClean="0"/>
+              <a:t>AP </a:t>
+            </a:r>
+            <a:r>
+              <a:rPr lang="zh-TW" altLang="en-US" dirty="0" smtClean="0"/>
+              <a:t>行為</a:t>
+            </a:r>
+          </a:p>
+          <a:p>
+            <a:r>
+              <a:rPr lang="zh-TW" altLang="en-US" dirty="0" smtClean="0"/>
+              <a:t>準確擷取 </a:t>
+            </a:r>
+            <a:r>
+              <a:rPr lang="en-US" altLang="zh-TW" dirty="0" smtClean="0"/>
+              <a:t>Ping </a:t>
+            </a:r>
+            <a:r>
+              <a:rPr lang="zh-TW" altLang="en-US" dirty="0" smtClean="0"/>
+              <a:t>紀錄檔</a:t>
+            </a:r>
+          </a:p>
+          <a:p>
+            <a:r>
+              <a:rPr lang="zh-TW" altLang="en-US" dirty="0" smtClean="0"/>
+              <a:t>長時間壓力測試執行</a:t>
+            </a:r>
             <a:endParaRPr lang="zh-TW" altLang="en-US" dirty="0"/>
           </a:p>
         </p:txBody>
@@ -1628,6 +1690,110 @@
           <a:bodyPr/>
           <a:lstStyle/>
           <a:p>
+            <a:pPr marL="0" marR="0" indent="0" algn="l" defTabSz="914400" rtl="0" eaLnBrk="0" fontAlgn="base" latinLnBrk="0" hangingPunct="0">
+              <a:lnSpc>
+                <a:spcPct val="100000"/>
+              </a:lnSpc>
+              <a:spcBef>
+                <a:spcPct val="30000"/>
+              </a:spcBef>
+              <a:spcAft>
+                <a:spcPct val="0"/>
+              </a:spcAft>
+              <a:buClrTx/>
+              <a:buSzTx/>
+              <a:buFontTx/>
+              <a:buNone/>
+              <a:tabLst/>
+              <a:defRPr/>
+            </a:pPr>
+            <a:r>
+              <a:rPr lang="zh-TW" altLang="en-US" dirty="0" smtClean="0"/>
+              <a:t>解決方案</a:t>
+            </a:r>
+            <a:endParaRPr lang="en-US" altLang="zh-TW" dirty="0" smtClean="0"/>
+          </a:p>
+          <a:p>
+            <a:r>
+              <a:rPr lang="zh-TW" altLang="en-US" dirty="0" smtClean="0"/>
+              <a:t>針對 </a:t>
+            </a:r>
+            <a:r>
+              <a:rPr lang="en-US" altLang="zh-TW" dirty="0" smtClean="0"/>
+              <a:t>Wi-Fi Mode </a:t>
+            </a:r>
+            <a:r>
+              <a:rPr lang="zh-TW" altLang="en-US" dirty="0" smtClean="0"/>
+              <a:t>中的 </a:t>
+            </a:r>
+            <a:r>
+              <a:rPr lang="en-US" altLang="zh-TW" dirty="0" smtClean="0"/>
+              <a:t>2.4 G </a:t>
+            </a:r>
+            <a:r>
+              <a:rPr lang="zh-TW" altLang="en-US" dirty="0" smtClean="0"/>
+              <a:t>中的 </a:t>
+            </a:r>
+            <a:r>
+              <a:rPr lang="en-US" altLang="zh-TW" dirty="0" smtClean="0"/>
+              <a:t>N Only, Legacy </a:t>
+            </a:r>
+            <a:r>
+              <a:rPr lang="zh-TW" altLang="en-US" dirty="0" smtClean="0"/>
+              <a:t>相互切換</a:t>
+            </a:r>
+          </a:p>
+          <a:p>
+            <a:r>
+              <a:rPr lang="zh-TW" altLang="en-US" dirty="0" smtClean="0"/>
+              <a:t>針對 </a:t>
+            </a:r>
+            <a:r>
+              <a:rPr lang="en-US" altLang="zh-TW" dirty="0" smtClean="0"/>
+              <a:t>Wi-Fi Mode </a:t>
+            </a:r>
+            <a:r>
+              <a:rPr lang="zh-TW" altLang="en-US" dirty="0" smtClean="0"/>
+              <a:t>中的 </a:t>
+            </a:r>
+            <a:r>
+              <a:rPr lang="en-US" altLang="zh-TW" dirty="0" smtClean="0"/>
+              <a:t>5 G </a:t>
+            </a:r>
+            <a:r>
+              <a:rPr lang="zh-TW" altLang="en-US" dirty="0" smtClean="0"/>
+              <a:t>中的 </a:t>
+            </a:r>
+            <a:r>
+              <a:rPr lang="en-US" altLang="zh-TW" dirty="0" smtClean="0"/>
+              <a:t>N/AC mixed, Legacy </a:t>
+            </a:r>
+            <a:r>
+              <a:rPr lang="zh-TW" altLang="en-US" dirty="0" smtClean="0"/>
+              <a:t>相互切換</a:t>
+            </a:r>
+          </a:p>
+          <a:p>
+            <a:r>
+              <a:rPr lang="zh-TW" altLang="en-US" dirty="0" smtClean="0"/>
+              <a:t>長時間做 </a:t>
+            </a:r>
+            <a:r>
+              <a:rPr lang="en-US" altLang="zh-TW" dirty="0" smtClean="0"/>
+              <a:t>2.4 G </a:t>
+            </a:r>
+            <a:r>
+              <a:rPr lang="zh-TW" altLang="en-US" dirty="0" smtClean="0"/>
+              <a:t>及 </a:t>
+            </a:r>
+            <a:r>
+              <a:rPr lang="en-US" altLang="zh-TW" dirty="0" smtClean="0"/>
+              <a:t>5 G </a:t>
+            </a:r>
+            <a:r>
+              <a:rPr lang="zh-TW" altLang="en-US" dirty="0" smtClean="0"/>
+              <a:t>之壓力測試</a:t>
+            </a:r>
             <a:endParaRPr lang="zh-TW" altLang="en-US" dirty="0"/>
           </a:p>
         </p:txBody>
@@ -2326,6 +2492,210 @@
           <a:bodyPr/>
           <a:lstStyle/>
           <a:p>
+            <a:pPr marL="0" marR="0" indent="0" algn="l" defTabSz="914400" rtl="0" eaLnBrk="0" fontAlgn="base" latinLnBrk="0" hangingPunct="0">
+              <a:lnSpc>
+                <a:spcPct val="100000"/>
+              </a:lnSpc>
+              <a:spcBef>
+                <a:spcPct val="30000"/>
+              </a:spcBef>
+              <a:spcAft>
+                <a:spcPct val="0"/>
+              </a:spcAft>
+              <a:buClrTx/>
+              <a:buSzTx/>
+              <a:buFontTx/>
+              <a:buNone/>
+              <a:tabLst/>
+              <a:defRPr/>
+            </a:pPr>
+            <a:r>
+              <a:rPr lang="zh-TW" altLang="en-US" dirty="0" smtClean="0"/>
+              <a:t>解決方案</a:t>
+            </a:r>
+            <a:endParaRPr lang="en-US" altLang="zh-TW" dirty="0" smtClean="0"/>
+          </a:p>
+          <a:p>
+            <a:r>
+              <a:rPr lang="zh-TW" altLang="en-US" dirty="0" smtClean="0"/>
+              <a:t>長時間壓力下且能完成飛航模式開關的穩定性</a:t>
+            </a:r>
+          </a:p>
+          <a:p>
+            <a:r>
+              <a:rPr lang="zh-TW" altLang="en-US" dirty="0" smtClean="0"/>
+              <a:t>大致區分為以下五種：</a:t>
+            </a:r>
+          </a:p>
+          <a:p>
+            <a:r>
+              <a:rPr lang="zh-TW" altLang="en-US" dirty="0" smtClean="0"/>
+              <a:t>透過 </a:t>
+            </a:r>
+            <a:r>
+              <a:rPr lang="en-US" altLang="zh-TW" dirty="0" smtClean="0"/>
+              <a:t>RJ-45 </a:t>
+            </a:r>
+            <a:r>
+              <a:rPr lang="zh-TW" altLang="en-US" dirty="0" smtClean="0"/>
+              <a:t>做 </a:t>
+            </a:r>
+            <a:r>
+              <a:rPr lang="en-US" altLang="zh-TW" dirty="0" smtClean="0"/>
+              <a:t>Android 6.0 </a:t>
+            </a:r>
+            <a:r>
+              <a:rPr lang="zh-TW" altLang="en-US" dirty="0" smtClean="0"/>
+              <a:t>系統中的 </a:t>
+            </a:r>
+            <a:r>
+              <a:rPr lang="en-US" altLang="zh-TW" dirty="0" smtClean="0"/>
+              <a:t>WLAN </a:t>
+            </a:r>
+            <a:r>
+              <a:rPr lang="zh-TW" altLang="en-US" dirty="0" smtClean="0"/>
+              <a:t>或 </a:t>
+            </a:r>
+            <a:r>
+              <a:rPr lang="en-US" altLang="zh-TW" dirty="0" smtClean="0"/>
+              <a:t>WWAN </a:t>
+            </a:r>
+            <a:r>
+              <a:rPr lang="zh-TW" altLang="en-US" dirty="0" smtClean="0"/>
+              <a:t>壓力測試</a:t>
+            </a:r>
+          </a:p>
+          <a:p>
+            <a:r>
+              <a:rPr lang="zh-TW" altLang="en-US" dirty="0" smtClean="0"/>
+              <a:t>透過 </a:t>
+            </a:r>
+            <a:r>
+              <a:rPr lang="en-US" altLang="zh-TW" dirty="0" smtClean="0"/>
+              <a:t>RJ-45 </a:t>
+            </a:r>
+            <a:r>
+              <a:rPr lang="zh-TW" altLang="en-US" dirty="0" smtClean="0"/>
+              <a:t>做 </a:t>
+            </a:r>
+            <a:r>
+              <a:rPr lang="en-US" altLang="zh-TW" dirty="0" smtClean="0"/>
+              <a:t>Android 8.0 </a:t>
+            </a:r>
+            <a:r>
+              <a:rPr lang="zh-TW" altLang="en-US" dirty="0" smtClean="0"/>
+              <a:t>系統中的 </a:t>
+            </a:r>
+            <a:r>
+              <a:rPr lang="en-US" altLang="zh-TW" dirty="0" smtClean="0"/>
+              <a:t>WLAN </a:t>
+            </a:r>
+            <a:r>
+              <a:rPr lang="zh-TW" altLang="en-US" dirty="0" smtClean="0"/>
+              <a:t>或 </a:t>
+            </a:r>
+            <a:r>
+              <a:rPr lang="en-US" altLang="zh-TW" dirty="0" smtClean="0"/>
+              <a:t>WWAN </a:t>
+            </a:r>
+            <a:r>
+              <a:rPr lang="zh-TW" altLang="en-US" dirty="0" smtClean="0"/>
+              <a:t>壓力測試</a:t>
+            </a:r>
+          </a:p>
+          <a:p>
+            <a:r>
+              <a:rPr lang="zh-TW" altLang="en-US" dirty="0" smtClean="0"/>
+              <a:t>透過 </a:t>
+            </a:r>
+            <a:r>
+              <a:rPr lang="en-US" altLang="zh-TW" dirty="0" smtClean="0"/>
+              <a:t>OTG </a:t>
+            </a:r>
+            <a:r>
+              <a:rPr lang="zh-TW" altLang="en-US" dirty="0" smtClean="0"/>
+              <a:t>做 </a:t>
+            </a:r>
+            <a:r>
+              <a:rPr lang="en-US" altLang="zh-TW" dirty="0" smtClean="0"/>
+              <a:t>Android 6.0 </a:t>
+            </a:r>
+            <a:r>
+              <a:rPr lang="zh-TW" altLang="en-US" dirty="0" smtClean="0"/>
+              <a:t>系統中的 </a:t>
+            </a:r>
+            <a:r>
+              <a:rPr lang="en-US" altLang="zh-TW" dirty="0" smtClean="0"/>
+              <a:t>WLAN </a:t>
+            </a:r>
+            <a:r>
+              <a:rPr lang="zh-TW" altLang="en-US" dirty="0" smtClean="0"/>
+              <a:t>或 </a:t>
+            </a:r>
+            <a:r>
+              <a:rPr lang="en-US" altLang="zh-TW" dirty="0" smtClean="0"/>
+              <a:t>WWAN </a:t>
+            </a:r>
+            <a:r>
+              <a:rPr lang="zh-TW" altLang="en-US" dirty="0" smtClean="0"/>
+              <a:t>壓力測試</a:t>
+            </a:r>
+          </a:p>
+          <a:p>
+            <a:r>
+              <a:rPr lang="zh-TW" altLang="en-US" dirty="0" smtClean="0"/>
+              <a:t>透過 </a:t>
+            </a:r>
+            <a:r>
+              <a:rPr lang="en-US" altLang="zh-TW" dirty="0" smtClean="0"/>
+              <a:t>OTG </a:t>
+            </a:r>
+            <a:r>
+              <a:rPr lang="zh-TW" altLang="en-US" dirty="0" smtClean="0"/>
+              <a:t>做 </a:t>
+            </a:r>
+            <a:r>
+              <a:rPr lang="en-US" altLang="zh-TW" dirty="0" smtClean="0"/>
+              <a:t>Android 8.0 </a:t>
+            </a:r>
+            <a:r>
+              <a:rPr lang="zh-TW" altLang="en-US" dirty="0" smtClean="0"/>
+              <a:t>系統中的 </a:t>
+            </a:r>
+            <a:r>
+              <a:rPr lang="en-US" altLang="zh-TW" dirty="0" smtClean="0"/>
+              <a:t>WLAN </a:t>
+            </a:r>
+            <a:r>
+              <a:rPr lang="zh-TW" altLang="en-US" dirty="0" smtClean="0"/>
+              <a:t>或 </a:t>
+            </a:r>
+            <a:r>
+              <a:rPr lang="en-US" altLang="zh-TW" dirty="0" smtClean="0"/>
+              <a:t>WWAN </a:t>
+            </a:r>
+            <a:r>
+              <a:rPr lang="zh-TW" altLang="en-US" dirty="0" smtClean="0"/>
+              <a:t>壓力測試</a:t>
+            </a:r>
+          </a:p>
+          <a:p>
+            <a:r>
+              <a:rPr lang="en-US" altLang="zh-TW" dirty="0" smtClean="0"/>
+              <a:t>Windows </a:t>
+            </a:r>
+            <a:r>
+              <a:rPr lang="zh-TW" altLang="en-US" dirty="0" smtClean="0"/>
+              <a:t>系統中的 </a:t>
+            </a:r>
+            <a:r>
+              <a:rPr lang="en-US" altLang="zh-TW" dirty="0" smtClean="0"/>
+              <a:t>WLAN </a:t>
+            </a:r>
+            <a:r>
+              <a:rPr lang="zh-TW" altLang="en-US" dirty="0" smtClean="0"/>
+              <a:t>壓力測試 </a:t>
+            </a:r>
             <a:endParaRPr lang="zh-TW" altLang="en-US" dirty="0"/>
           </a:p>
         </p:txBody>
@@ -2411,6 +2781,48 @@
           <a:bodyPr/>
           <a:lstStyle/>
           <a:p>
+            <a:pPr marL="0" marR="0" indent="0" algn="l" defTabSz="914400" rtl="0" eaLnBrk="0" fontAlgn="base" latinLnBrk="0" hangingPunct="0">
+              <a:lnSpc>
+                <a:spcPct val="100000"/>
+              </a:lnSpc>
+              <a:spcBef>
+                <a:spcPct val="30000"/>
+              </a:spcBef>
+              <a:spcAft>
+                <a:spcPct val="0"/>
+              </a:spcAft>
+              <a:buClrTx/>
+              <a:buSzTx/>
+              <a:buFontTx/>
+              <a:buNone/>
+              <a:tabLst/>
+              <a:defRPr/>
+            </a:pPr>
+            <a:r>
+              <a:rPr lang="zh-TW" altLang="en-US" dirty="0" smtClean="0"/>
+              <a:t>解決方案</a:t>
+            </a:r>
+            <a:endParaRPr lang="en-US" altLang="zh-TW" dirty="0" smtClean="0"/>
+          </a:p>
+          <a:p>
+            <a:r>
+              <a:rPr lang="zh-TW" altLang="en-US" dirty="0" smtClean="0"/>
+              <a:t>透過程式自動擷取主機 </a:t>
+            </a:r>
+            <a:r>
+              <a:rPr lang="en-US" altLang="zh-TW" dirty="0" smtClean="0"/>
+              <a:t>GPU </a:t>
+            </a:r>
+            <a:r>
+              <a:rPr lang="zh-TW" altLang="en-US" dirty="0" smtClean="0"/>
+              <a:t>解析度</a:t>
+            </a:r>
+          </a:p>
+          <a:p>
+            <a:r>
+              <a:rPr lang="zh-TW" altLang="en-US" dirty="0" smtClean="0"/>
+              <a:t>長時間重開機解析度擷取</a:t>
+            </a:r>
             <a:endParaRPr lang="zh-TW" altLang="en-US" dirty="0"/>
           </a:p>
         </p:txBody>
@@ -2666,6 +3078,31 @@
           <a:bodyPr/>
           <a:lstStyle/>
           <a:p>
+            <a:r>
+              <a:rPr lang="zh-TW" altLang="en-US" dirty="0" smtClean="0"/>
+              <a:t>解決方案</a:t>
+            </a:r>
+            <a:endParaRPr lang="en-US" altLang="zh-TW" dirty="0" smtClean="0"/>
+          </a:p>
+          <a:p>
+            <a:r>
+              <a:rPr lang="zh-TW" altLang="en-US" dirty="0" smtClean="0"/>
+              <a:t>依產品需求規格製作產圖之程式</a:t>
+            </a:r>
+          </a:p>
+          <a:p>
+            <a:r>
+              <a:rPr lang="zh-TW" altLang="en-US" dirty="0" smtClean="0"/>
+              <a:t>方便內部人員快速產圖並做量測 </a:t>
+            </a:r>
+            <a:r>
+              <a:rPr lang="en-US" altLang="zh-TW" dirty="0" smtClean="0"/>
+              <a:t>Panel  </a:t>
+            </a:r>
+            <a:r>
+              <a:rPr lang="zh-TW" altLang="en-US" dirty="0" smtClean="0"/>
+              <a:t>之程式</a:t>
+            </a:r>
             <a:endParaRPr lang="zh-TW" altLang="en-US" dirty="0"/>
           </a:p>
         </p:txBody>
@@ -2836,6 +3273,31 @@
           <a:bodyPr/>
           <a:lstStyle/>
           <a:p>
+            <a:r>
+              <a:rPr lang="zh-TW" altLang="en-US" dirty="0" smtClean="0"/>
+              <a:t>解決方案</a:t>
+            </a:r>
+            <a:endParaRPr lang="en-US" altLang="zh-TW" dirty="0" smtClean="0"/>
+          </a:p>
+          <a:p>
+            <a:r>
+              <a:rPr lang="zh-TW" altLang="en-US" dirty="0" smtClean="0"/>
+              <a:t>自動化安裝 </a:t>
+            </a:r>
+            <a:r>
+              <a:rPr lang="en-US" altLang="zh-TW" dirty="0" smtClean="0"/>
+              <a:t>Windows OS </a:t>
+            </a:r>
+            <a:r>
+              <a:rPr lang="zh-TW" altLang="en-US" dirty="0" smtClean="0"/>
+              <a:t>程序</a:t>
+            </a:r>
+          </a:p>
+          <a:p>
+            <a:r>
+              <a:rPr lang="zh-TW" altLang="en-US" dirty="0" smtClean="0"/>
+              <a:t>長時間自動安裝壓力測試</a:t>
+            </a:r>
             <a:endParaRPr lang="zh-TW" altLang="en-US" dirty="0"/>
           </a:p>
         </p:txBody>
@@ -2921,7 +3383,44 @@
           <a:bodyPr/>
           <a:lstStyle/>
           <a:p>
-            <a:endParaRPr lang="zh-TW" altLang="en-US" dirty="0"/>
+            <a:pPr marL="0" marR="0" lvl="2" indent="0" algn="l" defTabSz="914400" rtl="0" eaLnBrk="0" fontAlgn="base" latinLnBrk="0" hangingPunct="0">
+              <a:lnSpc>
+                <a:spcPct val="100000"/>
+              </a:lnSpc>
+              <a:spcBef>
+                <a:spcPct val="30000"/>
+              </a:spcBef>
+              <a:spcAft>
+                <a:spcPct val="0"/>
+              </a:spcAft>
+              <a:buClrTx/>
+              <a:buSzTx/>
+              <a:buFontTx/>
+              <a:buNone/>
+              <a:tabLst/>
+              <a:defRPr/>
+            </a:pPr>
+            <a:r>
+              <a:rPr lang="en-US" altLang="zh-TW" sz="1800" dirty="0" smtClean="0">
+                <a:latin typeface="Times New Roman" panose="02020603050405020304" pitchFamily="18" charset="0"/>
+                <a:cs typeface="Times New Roman" panose="02020603050405020304" pitchFamily="18" charset="0"/>
+              </a:rPr>
+              <a:t>bit.exe -c </a:t>
+            </a:r>
+            <a:r>
+              <a:rPr lang="en-US" altLang="zh-TW" sz="1800" dirty="0" err="1" smtClean="0">
+                <a:latin typeface="Times New Roman" panose="02020603050405020304" pitchFamily="18" charset="0"/>
+                <a:cs typeface="Times New Roman" panose="02020603050405020304" pitchFamily="18" charset="0"/>
+              </a:rPr>
+              <a:t>dqa.bitcfg</a:t>
+            </a:r>
+            <a:r>
+              <a:rPr lang="en-US" altLang="zh-TW" sz="1800" dirty="0" smtClean="0">
+                <a:latin typeface="Times New Roman" panose="02020603050405020304" pitchFamily="18" charset="0"/>
+                <a:cs typeface="Times New Roman" panose="02020603050405020304" pitchFamily="18" charset="0"/>
+              </a:rPr>
+              <a:t> -r -p -D “minutes”</a:t>
+            </a:r>
           </a:p>
         </p:txBody>
       </p:sp>
@@ -3091,6 +3590,51 @@
           <a:bodyPr/>
           <a:lstStyle/>
           <a:p>
+            <a:r>
+              <a:rPr lang="zh-TW" altLang="en-US" dirty="0" smtClean="0"/>
+              <a:t>解決方案</a:t>
+            </a:r>
+            <a:endParaRPr lang="en-US" altLang="zh-TW" dirty="0" smtClean="0"/>
+          </a:p>
+          <a:p>
+            <a:r>
+              <a:rPr lang="zh-TW" altLang="en-US" dirty="0" smtClean="0"/>
+              <a:t>透過 </a:t>
+            </a:r>
+            <a:r>
+              <a:rPr lang="en-US" altLang="zh-TW" dirty="0" err="1" smtClean="0"/>
+              <a:t>BurnInTest</a:t>
+            </a:r>
+            <a:r>
+              <a:rPr lang="en-US" altLang="zh-TW" dirty="0" smtClean="0"/>
+              <a:t> </a:t>
+            </a:r>
+            <a:r>
+              <a:rPr lang="zh-TW" altLang="en-US" dirty="0" smtClean="0"/>
+              <a:t>的 </a:t>
+            </a:r>
+            <a:r>
+              <a:rPr lang="en-US" altLang="zh-TW" dirty="0" smtClean="0"/>
+              <a:t>Bash Script </a:t>
+            </a:r>
+            <a:r>
+              <a:rPr lang="zh-TW" altLang="en-US" dirty="0" smtClean="0"/>
+              <a:t>做長時間壓力測試</a:t>
+            </a:r>
+          </a:p>
+          <a:p>
+            <a:r>
+              <a:rPr lang="zh-TW" altLang="en-US" dirty="0" smtClean="0"/>
+              <a:t>自動產生及備份 </a:t>
+            </a:r>
+            <a:r>
+              <a:rPr lang="en-US" altLang="zh-TW" dirty="0" smtClean="0"/>
+              <a:t>Log </a:t>
+            </a:r>
+            <a:r>
+              <a:rPr lang="zh-TW" altLang="en-US" dirty="0" smtClean="0"/>
+              <a:t>檔案</a:t>
+            </a:r>
             <a:endParaRPr lang="zh-TW" altLang="en-US" dirty="0"/>
           </a:p>
         </p:txBody>
@@ -3261,6 +3805,43 @@
           <a:bodyPr/>
           <a:lstStyle/>
           <a:p>
+            <a:r>
+              <a:rPr lang="zh-TW" altLang="en-US" dirty="0" smtClean="0"/>
+              <a:t>解決方案</a:t>
+            </a:r>
+            <a:endParaRPr lang="en-US" altLang="zh-TW" dirty="0" smtClean="0"/>
+          </a:p>
+          <a:p>
+            <a:r>
+              <a:rPr lang="zh-TW" altLang="en-US" dirty="0" smtClean="0"/>
+              <a:t>透過 </a:t>
+            </a:r>
+            <a:r>
+              <a:rPr lang="en-US" altLang="zh-TW" dirty="0" err="1" smtClean="0"/>
+              <a:t>ProgramIndex</a:t>
+            </a:r>
+            <a:r>
+              <a:rPr lang="en-US" altLang="zh-TW" dirty="0" smtClean="0"/>
+              <a:t> </a:t>
+            </a:r>
+            <a:r>
+              <a:rPr lang="zh-TW" altLang="en-US" dirty="0" smtClean="0"/>
+              <a:t>程式方便下載相對應程式</a:t>
+            </a:r>
+          </a:p>
+          <a:p>
+            <a:r>
+              <a:rPr lang="zh-TW" altLang="en-US" dirty="0" smtClean="0"/>
+              <a:t>可以直接抓取 </a:t>
+            </a:r>
+            <a:r>
+              <a:rPr lang="en-US" altLang="zh-TW" dirty="0" smtClean="0"/>
+              <a:t>FTP </a:t>
+            </a:r>
+            <a:r>
+              <a:rPr lang="zh-TW" altLang="en-US" dirty="0" smtClean="0"/>
+              <a:t>上的資料直接下載</a:t>
+            </a:r>
             <a:endParaRPr lang="zh-TW" altLang="en-US" dirty="0"/>
           </a:p>
         </p:txBody>
@@ -4105,6 +4686,13 @@
         <p:txBody>
           <a:bodyPr/>
           <a:lstStyle/>
+          <a:p>
+            <a:r>
+              <a:rPr lang="zh-TW" altLang="en-US" dirty="0" smtClean="0"/>
+              <a:t>解決方案</a:t>
+            </a:r>
+            <a:endParaRPr lang="en-US" altLang="zh-TW" dirty="0" smtClean="0"/>
+          </a:p>
           <a:p>
             <a:r>
               <a:rPr lang="zh-TW" altLang="en-US" dirty="0" smtClean="0"/>
@@ -9425,7 +10013,7 @@
           <a:graphicData uri="http://schemas.openxmlformats.org/presentationml/2006/ole">
             <mc:AlternateContent xmlns:mc="http://schemas.openxmlformats.org/markup-compatibility/2006">
               <mc:Choice xmlns:v="urn:schemas-microsoft-com:vml" Requires="v">
-                <p:oleObj spid="_x0000_s5267" name="封裝程式殼層物件" showAsIcon="1" r:id="rId4" imgW="744480" imgH="394920" progId="Package">
+                <p:oleObj spid="_x0000_s5273" name="封裝程式殼層物件" showAsIcon="1" r:id="rId4" imgW="744480" imgH="394920" progId="Package">
                   <p:embed/>
                 </p:oleObj>
               </mc:Choice>
@@ -10384,20 +10972,20 @@
           <p:nvPr>
             <p:extLst>
               <p:ext uri="{D42A27DB-BD31-4B8C-83A1-F6EECF244321}">
-                <p14:modId xmlns:p14="http://schemas.microsoft.com/office/powerpoint/2010/main" val="246378217"/>
+                <p14:modId xmlns:p14="http://schemas.microsoft.com/office/powerpoint/2010/main" val="520790892"/>
               </p:ext>
             </p:extLst>
           </p:nvPr>
         </p:nvGraphicFramePr>
         <p:xfrm>
-          <a:off x="8070623" y="4263288"/>
+          <a:off x="8070623" y="4284070"/>
           <a:ext cx="744538" cy="395287"/>
         </p:xfrm>
         <a:graphic>
           <a:graphicData uri="http://schemas.openxmlformats.org/presentationml/2006/ole">
             <mc:AlternateContent xmlns:mc="http://schemas.openxmlformats.org/markup-compatibility/2006">
               <mc:Choice xmlns:v="urn:schemas-microsoft-com:vml" Requires="v">
-                <p:oleObj spid="_x0000_s6234" name="封裝程式殼層物件" showAsIcon="1" r:id="rId6" imgW="744480" imgH="394920" progId="Package">
+                <p:oleObj spid="_x0000_s6240" name="封裝程式殼層物件" showAsIcon="1" r:id="rId6" imgW="744480" imgH="394920" progId="Package">
                   <p:embed/>
                 </p:oleObj>
               </mc:Choice>
@@ -10418,7 +11006,7 @@
                     </p:blipFill>
                     <p:spPr>
                       <a:xfrm>
-                        <a:off x="8070623" y="4263288"/>
+                        <a:off x="8070623" y="4284070"/>
                         <a:ext cx="744538" cy="395287"/>
                       </a:xfrm>
                       <a:prstGeom prst="rect">
@@ -11154,7 +11742,7 @@
           <a:graphicData uri="http://schemas.openxmlformats.org/presentationml/2006/ole">
             <mc:AlternateContent xmlns:mc="http://schemas.openxmlformats.org/markup-compatibility/2006">
               <mc:Choice xmlns:v="urn:schemas-microsoft-com:vml" Requires="v">
-                <p:oleObj spid="_x0000_s7254" name="封裝程式殼層物件" showAsIcon="1" r:id="rId4" imgW="744480" imgH="394920" progId="Package">
+                <p:oleObj spid="_x0000_s7260" name="封裝程式殼層物件" showAsIcon="1" r:id="rId4" imgW="744480" imgH="394920" progId="Package">
                   <p:embed/>
                 </p:oleObj>
               </mc:Choice>
@@ -11974,7 +12562,7 @@
           <p:nvPr>
             <p:extLst>
               <p:ext uri="{D42A27DB-BD31-4B8C-83A1-F6EECF244321}">
-                <p14:modId xmlns:p14="http://schemas.microsoft.com/office/powerpoint/2010/main" val="1693263702"/>
+                <p14:modId xmlns:p14="http://schemas.microsoft.com/office/powerpoint/2010/main" val="188163934"/>
               </p:ext>
             </p:extLst>
           </p:nvPr>
@@ -11987,7 +12575,7 @@
           <a:graphicData uri="http://schemas.openxmlformats.org/presentationml/2006/ole">
             <mc:AlternateContent xmlns:mc="http://schemas.openxmlformats.org/markup-compatibility/2006">
               <mc:Choice xmlns:v="urn:schemas-microsoft-com:vml" Requires="v">
-                <p:oleObj spid="_x0000_s8266" name="封裝程式殼層物件" showAsIcon="1" r:id="rId6" imgW="744480" imgH="394920" progId="Package">
+                <p:oleObj spid="_x0000_s8272" name="封裝程式殼層物件" showAsIcon="1" r:id="rId6" imgW="744480" imgH="394920" progId="Package">
                   <p:embed/>
                 </p:oleObj>
               </mc:Choice>
@@ -12743,7 +13331,7 @@
           <a:graphicData uri="http://schemas.openxmlformats.org/presentationml/2006/ole">
             <mc:AlternateContent xmlns:mc="http://schemas.openxmlformats.org/markup-compatibility/2006">
               <mc:Choice xmlns:v="urn:schemas-microsoft-com:vml" Requires="v">
-                <p:oleObj spid="_x0000_s3301" name="封裝程式殼層物件" showAsIcon="1" r:id="rId4" imgW="671760" imgH="394920" progId="Package">
+                <p:oleObj spid="_x0000_s3307" name="封裝程式殼層物件" showAsIcon="1" r:id="rId4" imgW="671760" imgH="394920" progId="Package">
                   <p:embed/>
                 </p:oleObj>
               </mc:Choice>
@@ -14505,45 +15093,6 @@
               <a:t>exe script.</a:t>
             </a:r>
           </a:p>
-          <a:p>
-            <a:pPr marL="742950" lvl="2" indent="-342900" eaLnBrk="1" hangingPunct="1">
-              <a:buFont typeface="Wingdings" panose="05000000000000000000" pitchFamily="2" charset="2"/>
-              <a:buChar char="Ø"/>
-              <a:defRPr/>
-            </a:pPr>
-            <a:r>
-              <a:rPr lang="en-US" altLang="zh-TW" sz="1800" dirty="0" smtClean="0">
-                <a:latin typeface="Times New Roman" panose="02020603050405020304" pitchFamily="18" charset="0"/>
-                <a:cs typeface="Times New Roman" panose="02020603050405020304" pitchFamily="18" charset="0"/>
-              </a:rPr>
-              <a:t>bit.exe -c </a:t>
-            </a:r>
-            <a:r>
-              <a:rPr lang="en-US" altLang="zh-TW" sz="1800" dirty="0" err="1" smtClean="0">
-                <a:latin typeface="Times New Roman" panose="02020603050405020304" pitchFamily="18" charset="0"/>
-                <a:cs typeface="Times New Roman" panose="02020603050405020304" pitchFamily="18" charset="0"/>
-              </a:rPr>
-              <a:t>dqa.bitcfg</a:t>
-            </a:r>
-            <a:r>
-              <a:rPr lang="en-US" altLang="zh-TW" sz="1800" dirty="0" smtClean="0">
-                <a:latin typeface="Times New Roman" panose="02020603050405020304" pitchFamily="18" charset="0"/>
-                <a:cs typeface="Times New Roman" panose="02020603050405020304" pitchFamily="18" charset="0"/>
-              </a:rPr>
-              <a:t> -r -p -D “minutes”</a:t>
-            </a:r>
-          </a:p>
-          <a:p>
-            <a:pPr marL="742950" lvl="2" indent="-342900" eaLnBrk="1" hangingPunct="1">
-              <a:buFont typeface="Arial" charset="0"/>
-              <a:buChar char="•"/>
-              <a:defRPr/>
-            </a:pPr>
-            <a:endParaRPr lang="en-US" altLang="zh-TW" sz="1400" dirty="0" smtClean="0">
-              <a:latin typeface="Times New Roman" panose="02020603050405020304" pitchFamily="18" charset="0"/>
-              <a:cs typeface="Times New Roman" panose="02020603050405020304" pitchFamily="18" charset="0"/>
-            </a:endParaRPr>
-          </a:p>
         </p:txBody>
       </p:sp>
       <p:sp>
@@ -14621,7 +15170,7 @@
         </p:blipFill>
         <p:spPr>
           <a:xfrm>
-            <a:off x="951131" y="1723542"/>
+            <a:off x="951131" y="1567677"/>
             <a:ext cx="5468421" cy="2997679"/>
           </a:xfrm>
           <a:prstGeom prst="rect">
@@ -14638,7 +15187,7 @@
           <p:nvPr>
             <p:extLst>
               <p:ext uri="{D42A27DB-BD31-4B8C-83A1-F6EECF244321}">
-                <p14:modId xmlns:p14="http://schemas.microsoft.com/office/powerpoint/2010/main" val="2072641760"/>
+                <p14:modId xmlns:p14="http://schemas.microsoft.com/office/powerpoint/2010/main" val="1238447509"/>
               </p:ext>
             </p:extLst>
           </p:nvPr>
@@ -14651,7 +15200,7 @@
           <a:graphicData uri="http://schemas.openxmlformats.org/presentationml/2006/ole">
             <mc:AlternateContent xmlns:mc="http://schemas.openxmlformats.org/markup-compatibility/2006">
               <mc:Choice xmlns:v="urn:schemas-microsoft-com:vml" Requires="v">
-                <p:oleObj spid="_x0000_s4382" name="封裝程式殼層物件" showAsIcon="1" r:id="rId5" imgW="1467360" imgH="394920" progId="Package">
+                <p:oleObj spid="_x0000_s4394" name="封裝程式殼層物件" showAsIcon="1" r:id="rId5" imgW="1467360" imgH="394920" progId="Package">
                   <p:embed/>
                 </p:oleObj>
               </mc:Choice>
@@ -14708,7 +15257,7 @@
           <a:graphicData uri="http://schemas.openxmlformats.org/presentationml/2006/ole">
             <mc:AlternateContent xmlns:mc="http://schemas.openxmlformats.org/markup-compatibility/2006">
               <mc:Choice xmlns:v="urn:schemas-microsoft-com:vml" Requires="v">
-                <p:oleObj spid="_x0000_s4383" name="封裝程式殼層物件" showAsIcon="1" r:id="rId7" imgW="1438200" imgH="394920" progId="Package">
+                <p:oleObj spid="_x0000_s4395" name="封裝程式殼層物件" showAsIcon="1" r:id="rId7" imgW="1438200" imgH="394920" progId="Package">
                   <p:embed/>
                 </p:oleObj>
               </mc:Choice>
@@ -17586,14 +18135,7 @@
                 <a:latin typeface="Times New Roman" panose="02020603050405020304" pitchFamily="18" charset="0"/>
                 <a:cs typeface="Times New Roman" panose="02020603050405020304" pitchFamily="18" charset="0"/>
               </a:rPr>
-              <a:t>T</a:t>
-            </a:r>
-            <a:r>
-              <a:rPr lang="en-US" altLang="zh-TW" sz="1800" dirty="0" smtClean="0">
-                <a:latin typeface="Times New Roman" panose="02020603050405020304" pitchFamily="18" charset="0"/>
-                <a:cs typeface="Times New Roman" panose="02020603050405020304" pitchFamily="18" charset="0"/>
-              </a:rPr>
-              <a:t>esting </a:t>
+              <a:t>Testing </a:t>
             </a:r>
             <a:r>
               <a:rPr lang="en-US" altLang="zh-TW" sz="1800" dirty="0">
